--- a/函数编程范式.pptx
+++ b/函数编程范式.pptx
@@ -5425,9 +5425,9 @@
                 <a:solidFill>
                   <a:srgbClr val="535353"/>
                 </a:solidFill>
-                <a:latin typeface="PingFang SC Regular" panose="020B0400000000000000" charset="-122"/>
-                <a:ea typeface="PingFang SC Regular" panose="020B0400000000000000" charset="-122"/>
-                <a:cs typeface="PingFang SC Regular" panose="020B0400000000000000" charset="-122"/>
+                <a:latin typeface="PingFang SC Light" panose="020B0400000000000000" charset="-122"/>
+                <a:ea typeface="PingFang SC Light" panose="020B0400000000000000" charset="-122"/>
+                <a:cs typeface="PingFang SC Light" panose="020B0400000000000000" charset="-122"/>
                 <a:sym typeface="PingFang SC Regular" panose="020B0400000000000000" charset="-122"/>
               </a:rPr>
               <a:t>创建变量对象</a:t>
@@ -5441,9 +5441,9 @@
               </a:solidFill>
               <a:effectLst/>
               <a:uFillTx/>
-              <a:latin typeface="PingFang SC Regular" panose="020B0400000000000000" charset="-122"/>
-              <a:ea typeface="PingFang SC Regular" panose="020B0400000000000000" charset="-122"/>
-              <a:cs typeface="PingFang SC Regular" panose="020B0400000000000000" charset="-122"/>
+              <a:latin typeface="PingFang SC Light" panose="020B0400000000000000" charset="-122"/>
+              <a:ea typeface="PingFang SC Light" panose="020B0400000000000000" charset="-122"/>
+              <a:cs typeface="PingFang SC Light" panose="020B0400000000000000" charset="-122"/>
               <a:sym typeface="PingFang SC Regular" panose="020B0400000000000000" charset="-122"/>
             </a:endParaRPr>
           </a:p>
@@ -5468,9 +5468,9 @@
                 <a:solidFill>
                   <a:srgbClr val="535353"/>
                 </a:solidFill>
-                <a:latin typeface="PingFang SC Regular" panose="020B0400000000000000" charset="-122"/>
-                <a:ea typeface="PingFang SC Regular" panose="020B0400000000000000" charset="-122"/>
-                <a:cs typeface="PingFang SC Regular" panose="020B0400000000000000" charset="-122"/>
+                <a:latin typeface="PingFang SC Light" panose="020B0400000000000000" charset="-122"/>
+                <a:ea typeface="PingFang SC Light" panose="020B0400000000000000" charset="-122"/>
+                <a:cs typeface="PingFang SC Light" panose="020B0400000000000000" charset="-122"/>
                 <a:sym typeface="PingFang SC Regular" panose="020B0400000000000000" charset="-122"/>
               </a:rPr>
               <a:t>初始 </a:t>
@@ -5480,9 +5480,9 @@
                 <a:solidFill>
                   <a:srgbClr val="535353"/>
                 </a:solidFill>
-                <a:latin typeface="PingFang SC Regular" panose="020B0400000000000000" charset="-122"/>
-                <a:ea typeface="PingFang SC Regular" panose="020B0400000000000000" charset="-122"/>
-                <a:cs typeface="PingFang SC Regular" panose="020B0400000000000000" charset="-122"/>
+                <a:latin typeface="PingFang SC Light" panose="020B0400000000000000" charset="-122"/>
+                <a:ea typeface="PingFang SC Light" panose="020B0400000000000000" charset="-122"/>
+                <a:cs typeface="PingFang SC Light" panose="020B0400000000000000" charset="-122"/>
                 <a:sym typeface="PingFang SC Regular" panose="020B0400000000000000" charset="-122"/>
               </a:rPr>
               <a:t>arguments </a:t>
@@ -5492,9 +5492,9 @@
                 <a:solidFill>
                   <a:srgbClr val="535353"/>
                 </a:solidFill>
-                <a:latin typeface="PingFang SC Regular" panose="020B0400000000000000" charset="-122"/>
-                <a:ea typeface="PingFang SC Regular" panose="020B0400000000000000" charset="-122"/>
-                <a:cs typeface="PingFang SC Regular" panose="020B0400000000000000" charset="-122"/>
+                <a:latin typeface="PingFang SC Light" panose="020B0400000000000000" charset="-122"/>
+                <a:ea typeface="PingFang SC Light" panose="020B0400000000000000" charset="-122"/>
+                <a:cs typeface="PingFang SC Light" panose="020B0400000000000000" charset="-122"/>
                 <a:sym typeface="PingFang SC Regular" panose="020B0400000000000000" charset="-122"/>
               </a:rPr>
               <a:t>对象（并赋值）</a:t>
@@ -5508,9 +5508,9 @@
               </a:solidFill>
               <a:effectLst/>
               <a:uFillTx/>
-              <a:latin typeface="PingFang SC Regular" panose="020B0400000000000000" charset="-122"/>
-              <a:ea typeface="PingFang SC Regular" panose="020B0400000000000000" charset="-122"/>
-              <a:cs typeface="PingFang SC Regular" panose="020B0400000000000000" charset="-122"/>
+              <a:latin typeface="PingFang SC Light" panose="020B0400000000000000" charset="-122"/>
+              <a:ea typeface="PingFang SC Light" panose="020B0400000000000000" charset="-122"/>
+              <a:cs typeface="PingFang SC Light" panose="020B0400000000000000" charset="-122"/>
               <a:sym typeface="PingFang SC Regular" panose="020B0400000000000000" charset="-122"/>
             </a:endParaRPr>
           </a:p>
@@ -5535,9 +5535,9 @@
                 <a:solidFill>
                   <a:srgbClr val="535353"/>
                 </a:solidFill>
-                <a:latin typeface="PingFang SC Regular" panose="020B0400000000000000" charset="-122"/>
-                <a:ea typeface="PingFang SC Regular" panose="020B0400000000000000" charset="-122"/>
-                <a:cs typeface="PingFang SC Regular" panose="020B0400000000000000" charset="-122"/>
+                <a:latin typeface="PingFang SC Light" panose="020B0400000000000000" charset="-122"/>
+                <a:ea typeface="PingFang SC Light" panose="020B0400000000000000" charset="-122"/>
+                <a:cs typeface="PingFang SC Light" panose="020B0400000000000000" charset="-122"/>
                 <a:sym typeface="PingFang SC Regular" panose="020B0400000000000000" charset="-122"/>
               </a:rPr>
               <a:t>函数声明（并赋值）</a:t>
@@ -5551,9 +5551,9 @@
               </a:solidFill>
               <a:effectLst/>
               <a:uFillTx/>
-              <a:latin typeface="PingFang SC Regular" panose="020B0400000000000000" charset="-122"/>
-              <a:ea typeface="PingFang SC Regular" panose="020B0400000000000000" charset="-122"/>
-              <a:cs typeface="PingFang SC Regular" panose="020B0400000000000000" charset="-122"/>
+              <a:latin typeface="PingFang SC Light" panose="020B0400000000000000" charset="-122"/>
+              <a:ea typeface="PingFang SC Light" panose="020B0400000000000000" charset="-122"/>
+              <a:cs typeface="PingFang SC Light" panose="020B0400000000000000" charset="-122"/>
               <a:sym typeface="PingFang SC Regular" panose="020B0400000000000000" charset="-122"/>
             </a:endParaRPr>
           </a:p>
@@ -5578,9 +5578,9 @@
                 <a:solidFill>
                   <a:srgbClr val="535353"/>
                 </a:solidFill>
-                <a:latin typeface="PingFang SC Regular" panose="020B0400000000000000" charset="-122"/>
-                <a:ea typeface="PingFang SC Regular" panose="020B0400000000000000" charset="-122"/>
-                <a:cs typeface="PingFang SC Regular" panose="020B0400000000000000" charset="-122"/>
+                <a:latin typeface="PingFang SC Light" panose="020B0400000000000000" charset="-122"/>
+                <a:ea typeface="PingFang SC Light" panose="020B0400000000000000" charset="-122"/>
+                <a:cs typeface="PingFang SC Light" panose="020B0400000000000000" charset="-122"/>
                 <a:sym typeface="PingFang SC Regular" panose="020B0400000000000000" charset="-122"/>
               </a:rPr>
               <a:t>变量声明，函数表达式声明（未赋值）</a:t>
@@ -5594,9 +5594,9 @@
               </a:solidFill>
               <a:effectLst/>
               <a:uFillTx/>
-              <a:latin typeface="PingFang SC Regular" panose="020B0400000000000000" charset="-122"/>
-              <a:ea typeface="PingFang SC Regular" panose="020B0400000000000000" charset="-122"/>
-              <a:cs typeface="PingFang SC Regular" panose="020B0400000000000000" charset="-122"/>
+              <a:latin typeface="PingFang SC Light" panose="020B0400000000000000" charset="-122"/>
+              <a:ea typeface="PingFang SC Light" panose="020B0400000000000000" charset="-122"/>
+              <a:cs typeface="PingFang SC Light" panose="020B0400000000000000" charset="-122"/>
               <a:sym typeface="PingFang SC Regular" panose="020B0400000000000000" charset="-122"/>
             </a:endParaRPr>
           </a:p>
@@ -5621,9 +5621,9 @@
                 <a:solidFill>
                   <a:srgbClr val="535353"/>
                 </a:solidFill>
-                <a:latin typeface="PingFang SC Regular" panose="020B0400000000000000" charset="-122"/>
-                <a:ea typeface="PingFang SC Regular" panose="020B0400000000000000" charset="-122"/>
-                <a:cs typeface="PingFang SC Regular" panose="020B0400000000000000" charset="-122"/>
+                <a:latin typeface="PingFang SC Light" panose="020B0400000000000000" charset="-122"/>
+                <a:ea typeface="PingFang SC Light" panose="020B0400000000000000" charset="-122"/>
+                <a:cs typeface="PingFang SC Light" panose="020B0400000000000000" charset="-122"/>
                 <a:sym typeface="PingFang SC Regular" panose="020B0400000000000000" charset="-122"/>
               </a:rPr>
               <a:t>确定 </a:t>
@@ -5633,9 +5633,9 @@
                 <a:solidFill>
                   <a:srgbClr val="535353"/>
                 </a:solidFill>
-                <a:latin typeface="PingFang SC Regular" panose="020B0400000000000000" charset="-122"/>
-                <a:ea typeface="PingFang SC Regular" panose="020B0400000000000000" charset="-122"/>
-                <a:cs typeface="PingFang SC Regular" panose="020B0400000000000000" charset="-122"/>
+                <a:latin typeface="PingFang SC Light" panose="020B0400000000000000" charset="-122"/>
+                <a:ea typeface="PingFang SC Light" panose="020B0400000000000000" charset="-122"/>
+                <a:cs typeface="PingFang SC Light" panose="020B0400000000000000" charset="-122"/>
                 <a:sym typeface="PingFang SC Regular" panose="020B0400000000000000" charset="-122"/>
               </a:rPr>
               <a:t>this </a:t>
@@ -5645,9 +5645,9 @@
                 <a:solidFill>
                   <a:srgbClr val="535353"/>
                 </a:solidFill>
-                <a:latin typeface="PingFang SC Regular" panose="020B0400000000000000" charset="-122"/>
-                <a:ea typeface="PingFang SC Regular" panose="020B0400000000000000" charset="-122"/>
-                <a:cs typeface="PingFang SC Regular" panose="020B0400000000000000" charset="-122"/>
+                <a:latin typeface="PingFang SC Light" panose="020B0400000000000000" charset="-122"/>
+                <a:ea typeface="PingFang SC Light" panose="020B0400000000000000" charset="-122"/>
+                <a:cs typeface="PingFang SC Light" panose="020B0400000000000000" charset="-122"/>
                 <a:sym typeface="PingFang SC Regular" panose="020B0400000000000000" charset="-122"/>
               </a:rPr>
               <a:t>指向</a:t>
@@ -5661,9 +5661,9 @@
               </a:solidFill>
               <a:effectLst/>
               <a:uFillTx/>
-              <a:latin typeface="PingFang SC Regular" panose="020B0400000000000000" charset="-122"/>
-              <a:ea typeface="PingFang SC Regular" panose="020B0400000000000000" charset="-122"/>
-              <a:cs typeface="PingFang SC Regular" panose="020B0400000000000000" charset="-122"/>
+              <a:latin typeface="PingFang SC Light" panose="020B0400000000000000" charset="-122"/>
+              <a:ea typeface="PingFang SC Light" panose="020B0400000000000000" charset="-122"/>
+              <a:cs typeface="PingFang SC Light" panose="020B0400000000000000" charset="-122"/>
               <a:sym typeface="PingFang SC Regular" panose="020B0400000000000000" charset="-122"/>
             </a:endParaRPr>
           </a:p>
@@ -5688,9 +5688,9 @@
                 <a:solidFill>
                   <a:srgbClr val="535353"/>
                 </a:solidFill>
-                <a:latin typeface="PingFang SC Regular" panose="020B0400000000000000" charset="-122"/>
-                <a:ea typeface="PingFang SC Regular" panose="020B0400000000000000" charset="-122"/>
-                <a:cs typeface="PingFang SC Regular" panose="020B0400000000000000" charset="-122"/>
+                <a:latin typeface="PingFang SC Light" panose="020B0400000000000000" charset="-122"/>
+                <a:ea typeface="PingFang SC Light" panose="020B0400000000000000" charset="-122"/>
+                <a:cs typeface="PingFang SC Light" panose="020B0400000000000000" charset="-122"/>
                 <a:sym typeface="PingFang SC Regular" panose="020B0400000000000000" charset="-122"/>
               </a:rPr>
               <a:t>确定作用域</a:t>
@@ -5704,9 +5704,9 @@
               </a:solidFill>
               <a:effectLst/>
               <a:uFillTx/>
-              <a:latin typeface="PingFang SC Regular" panose="020B0400000000000000" charset="-122"/>
-              <a:ea typeface="PingFang SC Regular" panose="020B0400000000000000" charset="-122"/>
-              <a:cs typeface="PingFang SC Regular" panose="020B0400000000000000" charset="-122"/>
+              <a:latin typeface="PingFang SC Light" panose="020B0400000000000000" charset="-122"/>
+              <a:ea typeface="PingFang SC Light" panose="020B0400000000000000" charset="-122"/>
+              <a:cs typeface="PingFang SC Light" panose="020B0400000000000000" charset="-122"/>
               <a:sym typeface="PingFang SC Regular" panose="020B0400000000000000" charset="-122"/>
             </a:endParaRPr>
           </a:p>
@@ -5819,8 +5819,8 @@
                 <a:solidFill>
                   <a:srgbClr val="535353"/>
                 </a:solidFill>
-                <a:latin typeface="PingFang SC Regular" panose="020B0400000000000000" charset="-122"/>
-                <a:ea typeface="PingFang SC Regular" panose="020B0400000000000000" charset="-122"/>
+                <a:latin typeface="PingFang SC Light" panose="020B0400000000000000" charset="-122"/>
+                <a:ea typeface="PingFang SC Light" panose="020B0400000000000000" charset="-122"/>
                 <a:cs typeface="PingFang SC Regular" panose="020B0400000000000000" charset="-122"/>
                 <a:sym typeface="PingFang SC Regular" panose="020B0400000000000000" charset="-122"/>
               </a:rPr>
@@ -5835,8 +5835,8 @@
               </a:solidFill>
               <a:effectLst/>
               <a:uFillTx/>
-              <a:latin typeface="PingFang SC Regular" panose="020B0400000000000000" charset="-122"/>
-              <a:ea typeface="PingFang SC Regular" panose="020B0400000000000000" charset="-122"/>
+              <a:latin typeface="PingFang SC Light" panose="020B0400000000000000" charset="-122"/>
+              <a:ea typeface="PingFang SC Light" panose="020B0400000000000000" charset="-122"/>
               <a:cs typeface="PingFang SC Regular" panose="020B0400000000000000" charset="-122"/>
               <a:sym typeface="PingFang SC Regular" panose="020B0400000000000000" charset="-122"/>
             </a:endParaRPr>
@@ -5862,8 +5862,8 @@
                 <a:solidFill>
                   <a:srgbClr val="535353"/>
                 </a:solidFill>
-                <a:latin typeface="PingFang SC Regular" panose="020B0400000000000000" charset="-122"/>
-                <a:ea typeface="PingFang SC Regular" panose="020B0400000000000000" charset="-122"/>
+                <a:latin typeface="PingFang SC Light" panose="020B0400000000000000" charset="-122"/>
+                <a:ea typeface="PingFang SC Light" panose="020B0400000000000000" charset="-122"/>
                 <a:cs typeface="PingFang SC Regular" panose="020B0400000000000000" charset="-122"/>
                 <a:sym typeface="PingFang SC Regular" panose="020B0400000000000000" charset="-122"/>
               </a:rPr>
@@ -5878,8 +5878,8 @@
               </a:solidFill>
               <a:effectLst/>
               <a:uFillTx/>
-              <a:latin typeface="PingFang SC Regular" panose="020B0400000000000000" charset="-122"/>
-              <a:ea typeface="PingFang SC Regular" panose="020B0400000000000000" charset="-122"/>
+              <a:latin typeface="PingFang SC Light" panose="020B0400000000000000" charset="-122"/>
+              <a:ea typeface="PingFang SC Light" panose="020B0400000000000000" charset="-122"/>
               <a:cs typeface="PingFang SC Regular" panose="020B0400000000000000" charset="-122"/>
               <a:sym typeface="PingFang SC Regular" panose="020B0400000000000000" charset="-122"/>
             </a:endParaRPr>
@@ -5905,8 +5905,8 @@
                 <a:solidFill>
                   <a:srgbClr val="535353"/>
                 </a:solidFill>
-                <a:latin typeface="PingFang SC Regular" panose="020B0400000000000000" charset="-122"/>
-                <a:ea typeface="PingFang SC Regular" panose="020B0400000000000000" charset="-122"/>
+                <a:latin typeface="PingFang SC Light" panose="020B0400000000000000" charset="-122"/>
+                <a:ea typeface="PingFang SC Light" panose="020B0400000000000000" charset="-122"/>
                 <a:cs typeface="PingFang SC Regular" panose="020B0400000000000000" charset="-122"/>
                 <a:sym typeface="PingFang SC Regular" panose="020B0400000000000000" charset="-122"/>
               </a:rPr>
@@ -5921,8 +5921,8 @@
               </a:solidFill>
               <a:effectLst/>
               <a:uFillTx/>
-              <a:latin typeface="PingFang SC Regular" panose="020B0400000000000000" charset="-122"/>
-              <a:ea typeface="PingFang SC Regular" panose="020B0400000000000000" charset="-122"/>
+              <a:latin typeface="PingFang SC Light" panose="020B0400000000000000" charset="-122"/>
+              <a:ea typeface="PingFang SC Light" panose="020B0400000000000000" charset="-122"/>
               <a:cs typeface="PingFang SC Regular" panose="020B0400000000000000" charset="-122"/>
               <a:sym typeface="PingFang SC Regular" panose="020B0400000000000000" charset="-122"/>
             </a:endParaRPr>
@@ -5948,8 +5948,8 @@
                 <a:solidFill>
                   <a:srgbClr val="535353"/>
                 </a:solidFill>
-                <a:latin typeface="PingFang SC Regular" panose="020B0400000000000000" charset="-122"/>
-                <a:ea typeface="PingFang SC Regular" panose="020B0400000000000000" charset="-122"/>
+                <a:latin typeface="PingFang SC Light" panose="020B0400000000000000" charset="-122"/>
+                <a:ea typeface="PingFang SC Light" panose="020B0400000000000000" charset="-122"/>
                 <a:cs typeface="PingFang SC Regular" panose="020B0400000000000000" charset="-122"/>
                 <a:sym typeface="PingFang SC Regular" panose="020B0400000000000000" charset="-122"/>
               </a:rPr>
@@ -5964,8 +5964,8 @@
               </a:solidFill>
               <a:effectLst/>
               <a:uFillTx/>
-              <a:latin typeface="PingFang SC Regular" panose="020B0400000000000000" charset="-122"/>
-              <a:ea typeface="PingFang SC Regular" panose="020B0400000000000000" charset="-122"/>
+              <a:latin typeface="PingFang SC Light" panose="020B0400000000000000" charset="-122"/>
+              <a:ea typeface="PingFang SC Light" panose="020B0400000000000000" charset="-122"/>
               <a:cs typeface="PingFang SC Regular" panose="020B0400000000000000" charset="-122"/>
               <a:sym typeface="PingFang SC Regular" panose="020B0400000000000000" charset="-122"/>
             </a:endParaRPr>
@@ -5991,8 +5991,8 @@
                 <a:solidFill>
                   <a:srgbClr val="535353"/>
                 </a:solidFill>
-                <a:latin typeface="PingFang SC Regular" panose="020B0400000000000000" charset="-122"/>
-                <a:ea typeface="PingFang SC Regular" panose="020B0400000000000000" charset="-122"/>
+                <a:latin typeface="PingFang SC Light" panose="020B0400000000000000" charset="-122"/>
+                <a:ea typeface="PingFang SC Light" panose="020B0400000000000000" charset="-122"/>
                 <a:cs typeface="PingFang SC Regular" panose="020B0400000000000000" charset="-122"/>
                 <a:sym typeface="PingFang SC Regular" panose="020B0400000000000000" charset="-122"/>
               </a:rPr>
@@ -6007,8 +6007,8 @@
               </a:solidFill>
               <a:effectLst/>
               <a:uFillTx/>
-              <a:latin typeface="PingFang SC Regular" panose="020B0400000000000000" charset="-122"/>
-              <a:ea typeface="PingFang SC Regular" panose="020B0400000000000000" charset="-122"/>
+              <a:latin typeface="PingFang SC Light" panose="020B0400000000000000" charset="-122"/>
+              <a:ea typeface="PingFang SC Light" panose="020B0400000000000000" charset="-122"/>
               <a:cs typeface="PingFang SC Regular" panose="020B0400000000000000" charset="-122"/>
               <a:sym typeface="PingFang SC Regular" panose="020B0400000000000000" charset="-122"/>
             </a:endParaRPr>
@@ -6510,7 +6510,7 @@
         <p:spPr>
           <a:xfrm>
             <a:off x="5975350" y="1293495"/>
-            <a:ext cx="4636770" cy="368935"/>
+            <a:ext cx="5590540" cy="368935"/>
           </a:xfrm>
           <a:prstGeom prst="rect">
             <a:avLst/>
@@ -6545,15 +6545,15 @@
               <a:t>闭包 </a:t>
             </a:r>
             <a:r>
-              <a:rPr lang="zh-CN" altLang="en-US" sz="1400" dirty="0">
-                <a:latin typeface="PingFang SC Medium" panose="020B0400000000000000" charset="-122"/>
-                <a:ea typeface="PingFang SC Medium" panose="020B0400000000000000" charset="-122"/>
+              <a:rPr lang="zh-CN" altLang="en-US" dirty="0">
+                <a:latin typeface="PingFang SC Light" panose="020B0400000000000000" charset="-122"/>
+                <a:ea typeface="PingFang SC Light" panose="020B0400000000000000" charset="-122"/>
               </a:rPr>
               <a:t>函数执行完成后内部变量仍被另一函数所引用</a:t>
             </a:r>
-            <a:endParaRPr lang="zh-CN" altLang="en-US" sz="1400" dirty="0">
-              <a:latin typeface="PingFang SC Medium" panose="020B0400000000000000" charset="-122"/>
-              <a:ea typeface="PingFang SC Medium" panose="020B0400000000000000" charset="-122"/>
+            <a:endParaRPr lang="zh-CN" altLang="en-US" dirty="0">
+              <a:latin typeface="PingFang SC Light" panose="020B0400000000000000" charset="-122"/>
+              <a:ea typeface="PingFang SC Light" panose="020B0400000000000000" charset="-122"/>
             </a:endParaRPr>
           </a:p>
         </p:txBody>
@@ -6567,7 +6567,7 @@
         <p:spPr>
           <a:xfrm>
             <a:off x="5975350" y="1768475"/>
-            <a:ext cx="5269865" cy="1246505"/>
+            <a:ext cx="5269865" cy="830580"/>
           </a:xfrm>
           <a:prstGeom prst="rect">
             <a:avLst/>
@@ -6615,8 +6615,8 @@
                 <a:solidFill>
                   <a:srgbClr val="535353"/>
                 </a:solidFill>
-                <a:latin typeface="PingFang SC Regular" panose="020B0400000000000000" charset="-122"/>
-                <a:ea typeface="PingFang SC Regular" panose="020B0400000000000000" charset="-122"/>
+                <a:latin typeface="PingFang SC Light" panose="020B0400000000000000" charset="-122"/>
+                <a:ea typeface="PingFang SC Light" panose="020B0400000000000000" charset="-122"/>
                 <a:cs typeface="PingFang SC Regular" panose="020B0400000000000000" charset="-122"/>
                 <a:sym typeface="PingFang SC Regular" panose="020B0400000000000000" charset="-122"/>
               </a:rPr>
@@ -6626,8 +6626,8 @@
               <a:solidFill>
                 <a:srgbClr val="535353"/>
               </a:solidFill>
-              <a:latin typeface="PingFang SC Regular" panose="020B0400000000000000" charset="-122"/>
-              <a:ea typeface="PingFang SC Regular" panose="020B0400000000000000" charset="-122"/>
+              <a:latin typeface="PingFang SC Light" panose="020B0400000000000000" charset="-122"/>
+              <a:ea typeface="PingFang SC Light" panose="020B0400000000000000" charset="-122"/>
               <a:cs typeface="PingFang SC Regular" panose="020B0400000000000000" charset="-122"/>
               <a:sym typeface="PingFang SC Regular" panose="020B0400000000000000" charset="-122"/>
             </a:endParaRPr>
@@ -6653,8 +6653,8 @@
                 <a:solidFill>
                   <a:srgbClr val="535353"/>
                 </a:solidFill>
-                <a:latin typeface="PingFang SC Regular" panose="020B0400000000000000" charset="-122"/>
-                <a:ea typeface="PingFang SC Regular" panose="020B0400000000000000" charset="-122"/>
+                <a:latin typeface="PingFang SC Light" panose="020B0400000000000000" charset="-122"/>
+                <a:ea typeface="PingFang SC Light" panose="020B0400000000000000" charset="-122"/>
                 <a:cs typeface="PingFang SC Regular" panose="020B0400000000000000" charset="-122"/>
                 <a:sym typeface="PingFang SC Regular" panose="020B0400000000000000" charset="-122"/>
               </a:rPr>
@@ -6664,46 +6664,8 @@
               <a:solidFill>
                 <a:srgbClr val="535353"/>
               </a:solidFill>
-              <a:latin typeface="PingFang SC Regular" panose="020B0400000000000000" charset="-122"/>
-              <a:ea typeface="PingFang SC Regular" panose="020B0400000000000000" charset="-122"/>
-              <a:cs typeface="PingFang SC Regular" panose="020B0400000000000000" charset="-122"/>
-              <a:sym typeface="PingFang SC Regular" panose="020B0400000000000000" charset="-122"/>
-            </a:endParaRPr>
-          </a:p>
-          <a:p>
-            <a:pPr marL="342900" marR="0" indent="-342900" algn="just" defTabSz="914400" rtl="0" fontAlgn="auto" latinLnBrk="0" hangingPunct="0">
-              <a:lnSpc>
-                <a:spcPct val="150000"/>
-              </a:lnSpc>
-              <a:spcBef>
-                <a:spcPts val="0"/>
-              </a:spcBef>
-              <a:spcAft>
-                <a:spcPts val="0"/>
-              </a:spcAft>
-              <a:buClrTx/>
-              <a:buSzTx/>
-              <a:buFontTx/>
-              <a:buAutoNum type="arabicPeriod"/>
-            </a:pPr>
-            <a:r>
-              <a:rPr lang="zh-CN" altLang="en-US">
-                <a:solidFill>
-                  <a:srgbClr val="535353"/>
-                </a:solidFill>
-                <a:latin typeface="PingFang SC Regular" panose="020B0400000000000000" charset="-122"/>
-                <a:ea typeface="PingFang SC Regular" panose="020B0400000000000000" charset="-122"/>
-                <a:cs typeface="PingFang SC Regular" panose="020B0400000000000000" charset="-122"/>
-                <a:sym typeface="PingFang SC Regular" panose="020B0400000000000000" charset="-122"/>
-              </a:rPr>
-              <a:t>玩得不好容易有内存泄露</a:t>
-            </a:r>
-            <a:endParaRPr lang="zh-CN" altLang="en-US">
-              <a:solidFill>
-                <a:srgbClr val="535353"/>
-              </a:solidFill>
-              <a:latin typeface="PingFang SC Regular" panose="020B0400000000000000" charset="-122"/>
-              <a:ea typeface="PingFang SC Regular" panose="020B0400000000000000" charset="-122"/>
+              <a:latin typeface="PingFang SC Light" panose="020B0400000000000000" charset="-122"/>
+              <a:ea typeface="PingFang SC Light" panose="020B0400000000000000" charset="-122"/>
               <a:cs typeface="PingFang SC Regular" panose="020B0400000000000000" charset="-122"/>
               <a:sym typeface="PingFang SC Regular" panose="020B0400000000000000" charset="-122"/>
             </a:endParaRPr>
@@ -7180,43 +7142,71 @@
           </a:p>
           <a:p>
             <a:pPr marL="342900" indent="-342900">
-              <a:buAutoNum type="arabicPeriod"/>
+              <a:buFont typeface="Wingdings" panose="05000000000000000000" charset="0"/>
+              <a:buChar char=""/>
             </a:pPr>
             <a:r>
-              <a:rPr lang="zh-CN" altLang="en-US" dirty="0" err="1"/>
+              <a:rPr lang="zh-CN" altLang="en-US" dirty="0" err="1">
+                <a:latin typeface="PingFang SC Light" panose="020B0400000000000000" charset="-122"/>
+                <a:ea typeface="PingFang SC Light" panose="020B0400000000000000" charset="-122"/>
+              </a:rPr>
               <a:t>配置文件</a:t>
             </a:r>
-            <a:endParaRPr lang="zh-CN" altLang="en-US" dirty="0" err="1"/>
+            <a:endParaRPr lang="zh-CN" altLang="en-US" dirty="0" err="1">
+              <a:latin typeface="PingFang SC Light" panose="020B0400000000000000" charset="-122"/>
+              <a:ea typeface="PingFang SC Light" panose="020B0400000000000000" charset="-122"/>
+            </a:endParaRPr>
           </a:p>
           <a:p>
             <a:pPr marL="342900" indent="-342900">
-              <a:buAutoNum type="arabicPeriod"/>
+              <a:buFont typeface="Wingdings" panose="05000000000000000000" charset="0"/>
+              <a:buChar char=""/>
             </a:pPr>
             <a:r>
-              <a:rPr lang="zh-CN" altLang="en-US" dirty="0" err="1"/>
+              <a:rPr lang="zh-CN" altLang="en-US" dirty="0" err="1">
+                <a:latin typeface="PingFang SC Light" panose="020B0400000000000000" charset="-122"/>
+                <a:ea typeface="PingFang SC Light" panose="020B0400000000000000" charset="-122"/>
+              </a:rPr>
               <a:t>数据库</a:t>
             </a:r>
-            <a:endParaRPr lang="zh-CN" altLang="en-US" dirty="0" err="1"/>
+            <a:endParaRPr lang="zh-CN" altLang="en-US" dirty="0" err="1">
+              <a:latin typeface="PingFang SC Light" panose="020B0400000000000000" charset="-122"/>
+              <a:ea typeface="PingFang SC Light" panose="020B0400000000000000" charset="-122"/>
+            </a:endParaRPr>
           </a:p>
           <a:p>
             <a:pPr marL="342900" indent="-342900">
-              <a:buAutoNum type="arabicPeriod"/>
+              <a:buFont typeface="Wingdings" panose="05000000000000000000" charset="0"/>
+              <a:buChar char=""/>
             </a:pPr>
             <a:r>
-              <a:rPr lang="zh-CN" altLang="en-US" dirty="0" err="1"/>
+              <a:rPr lang="zh-CN" altLang="en-US" dirty="0" err="1">
+                <a:latin typeface="PingFang SC Light" panose="020B0400000000000000" charset="-122"/>
+                <a:ea typeface="PingFang SC Light" panose="020B0400000000000000" charset="-122"/>
+              </a:rPr>
               <a:t>用户输入</a:t>
             </a:r>
-            <a:endParaRPr lang="zh-CN" altLang="en-US" dirty="0" err="1"/>
+            <a:endParaRPr lang="zh-CN" altLang="en-US" dirty="0" err="1">
+              <a:latin typeface="PingFang SC Light" panose="020B0400000000000000" charset="-122"/>
+              <a:ea typeface="PingFang SC Light" panose="020B0400000000000000" charset="-122"/>
+            </a:endParaRPr>
           </a:p>
           <a:p>
             <a:pPr marL="342900" indent="-342900">
-              <a:buAutoNum type="arabicPeriod"/>
+              <a:buFont typeface="Wingdings" panose="05000000000000000000" charset="0"/>
+              <a:buChar char=""/>
             </a:pPr>
             <a:r>
-              <a:rPr lang="zh-CN" altLang="en-US" dirty="0" err="1"/>
+              <a:rPr lang="zh-CN" altLang="en-US" dirty="0" err="1">
+                <a:latin typeface="PingFang SC Light" panose="020B0400000000000000" charset="-122"/>
+                <a:ea typeface="PingFang SC Light" panose="020B0400000000000000" charset="-122"/>
+              </a:rPr>
               <a:t>函数内部直接改变数据</a:t>
             </a:r>
-            <a:endParaRPr lang="zh-CN" altLang="en-US" dirty="0" err="1"/>
+            <a:endParaRPr lang="zh-CN" altLang="en-US" dirty="0" err="1">
+              <a:latin typeface="PingFang SC Light" panose="020B0400000000000000" charset="-122"/>
+              <a:ea typeface="PingFang SC Light" panose="020B0400000000000000" charset="-122"/>
+            </a:endParaRPr>
           </a:p>
         </p:txBody>
       </p:sp>
@@ -7392,10 +7382,16 @@
               <a:buChar char=""/>
             </a:pPr>
             <a:r>
-              <a:rPr lang="zh-CN" altLang="en-US" dirty="0" err="1"/>
+              <a:rPr lang="zh-CN" altLang="en-US" dirty="0" err="1">
+                <a:latin typeface="PingFang SC Light" panose="020B0400000000000000" charset="-122"/>
+                <a:ea typeface="PingFang SC Light" panose="020B0400000000000000" charset="-122"/>
+              </a:rPr>
               <a:t>固定的输入对应固定的输出</a:t>
             </a:r>
-            <a:endParaRPr lang="zh-CN" altLang="en-US" dirty="0" err="1"/>
+            <a:endParaRPr lang="zh-CN" altLang="en-US" dirty="0" err="1">
+              <a:latin typeface="PingFang SC Light" panose="020B0400000000000000" charset="-122"/>
+              <a:ea typeface="PingFang SC Light" panose="020B0400000000000000" charset="-122"/>
+            </a:endParaRPr>
           </a:p>
           <a:p>
             <a:pPr marL="285750" indent="-285750">
@@ -7403,10 +7399,16 @@
               <a:buChar char=""/>
             </a:pPr>
             <a:r>
-              <a:rPr lang="zh-CN" altLang="en-US" dirty="0" err="1"/>
+              <a:rPr lang="zh-CN" altLang="en-US" dirty="0" err="1">
+                <a:latin typeface="PingFang SC Light" panose="020B0400000000000000" charset="-122"/>
+                <a:ea typeface="PingFang SC Light" panose="020B0400000000000000" charset="-122"/>
+              </a:rPr>
               <a:t>无副作用（数据污染）</a:t>
             </a:r>
-            <a:endParaRPr lang="zh-CN" altLang="en-US" dirty="0" err="1"/>
+            <a:endParaRPr lang="zh-CN" altLang="en-US" dirty="0" err="1">
+              <a:latin typeface="PingFang SC Light" panose="020B0400000000000000" charset="-122"/>
+              <a:ea typeface="PingFang SC Light" panose="020B0400000000000000" charset="-122"/>
+            </a:endParaRPr>
           </a:p>
         </p:txBody>
       </p:sp>
@@ -7545,10 +7547,18 @@
               <a:buAutoNum type="arabicPeriod"/>
             </a:pPr>
             <a:r>
-              <a:rPr lang="zh-CN" altLang="en-US" dirty="0" err="1"/>
-              <a:t>稳定输出，可靠辅助（固定输入固定输出）；</a:t>
-            </a:r>
-            <a:endParaRPr lang="zh-CN" altLang="en-US" dirty="0" err="1"/>
+              <a:rPr lang="zh-CN" altLang="en-US" dirty="0" err="1">
+                <a:latin typeface="PingFang SC Light" panose="020B0400000000000000" charset="-122"/>
+                <a:ea typeface="PingFang SC Light" panose="020B0400000000000000" charset="-122"/>
+                <a:cs typeface="PingFang SC Light" panose="020B0400000000000000" charset="-122"/>
+              </a:rPr>
+              <a:t>稳定输出，可靠辅助（固定输入固定输出）</a:t>
+            </a:r>
+            <a:endParaRPr lang="zh-CN" altLang="en-US" dirty="0" err="1">
+              <a:latin typeface="PingFang SC Light" panose="020B0400000000000000" charset="-122"/>
+              <a:ea typeface="PingFang SC Light" panose="020B0400000000000000" charset="-122"/>
+              <a:cs typeface="PingFang SC Light" panose="020B0400000000000000" charset="-122"/>
+            </a:endParaRPr>
           </a:p>
           <a:p>
             <a:pPr marL="342900" indent="-342900">
@@ -7558,10 +7568,18 @@
               <a:buAutoNum type="arabicPeriod"/>
             </a:pPr>
             <a:r>
-              <a:rPr lang="zh-CN" altLang="en-US" dirty="0" err="1"/>
-              <a:t>不抢兵不抢人头（无副作用、不污染数据）；</a:t>
-            </a:r>
-            <a:endParaRPr lang="zh-CN" altLang="en-US" dirty="0" err="1"/>
+              <a:rPr lang="zh-CN" altLang="en-US" dirty="0" err="1">
+                <a:latin typeface="PingFang SC Light" panose="020B0400000000000000" charset="-122"/>
+                <a:ea typeface="PingFang SC Light" panose="020B0400000000000000" charset="-122"/>
+                <a:cs typeface="PingFang SC Light" panose="020B0400000000000000" charset="-122"/>
+              </a:rPr>
+              <a:t>不抢兵不抢人头（无副作用、不污染数据）</a:t>
+            </a:r>
+            <a:endParaRPr lang="zh-CN" altLang="en-US" dirty="0" err="1">
+              <a:latin typeface="PingFang SC Light" panose="020B0400000000000000" charset="-122"/>
+              <a:ea typeface="PingFang SC Light" panose="020B0400000000000000" charset="-122"/>
+              <a:cs typeface="PingFang SC Light" panose="020B0400000000000000" charset="-122"/>
+            </a:endParaRPr>
           </a:p>
           <a:p>
             <a:pPr marL="342900" indent="-342900">
@@ -7571,10 +7589,18 @@
               <a:buAutoNum type="arabicPeriod"/>
             </a:pPr>
             <a:r>
-              <a:rPr lang="zh-CN" altLang="en-US" dirty="0" err="1"/>
-              <a:t>可作缓存（可根据键值缓存计算结果）；</a:t>
-            </a:r>
-            <a:endParaRPr lang="zh-CN" altLang="en-US" dirty="0" err="1"/>
+              <a:rPr lang="zh-CN" altLang="en-US" dirty="0" err="1">
+                <a:latin typeface="PingFang SC Light" panose="020B0400000000000000" charset="-122"/>
+                <a:ea typeface="PingFang SC Light" panose="020B0400000000000000" charset="-122"/>
+                <a:cs typeface="PingFang SC Light" panose="020B0400000000000000" charset="-122"/>
+              </a:rPr>
+              <a:t>可作缓存（可根据键值缓存计算结果）</a:t>
+            </a:r>
+            <a:endParaRPr lang="zh-CN" altLang="en-US" dirty="0" err="1">
+              <a:latin typeface="PingFang SC Light" panose="020B0400000000000000" charset="-122"/>
+              <a:ea typeface="PingFang SC Light" panose="020B0400000000000000" charset="-122"/>
+              <a:cs typeface="PingFang SC Light" panose="020B0400000000000000" charset="-122"/>
+            </a:endParaRPr>
           </a:p>
           <a:p>
             <a:pPr marL="342900" indent="-342900">
@@ -7584,10 +7610,18 @@
               <a:buAutoNum type="arabicPeriod"/>
             </a:pPr>
             <a:r>
-              <a:rPr lang="zh-CN" altLang="en-US" dirty="0" err="1"/>
-              <a:t>可作测试（数据不反复横跳）；</a:t>
-            </a:r>
-            <a:endParaRPr lang="zh-CN" altLang="en-US" dirty="0" err="1"/>
+              <a:rPr lang="zh-CN" altLang="en-US" dirty="0" err="1">
+                <a:latin typeface="PingFang SC Light" panose="020B0400000000000000" charset="-122"/>
+                <a:ea typeface="PingFang SC Light" panose="020B0400000000000000" charset="-122"/>
+                <a:cs typeface="PingFang SC Light" panose="020B0400000000000000" charset="-122"/>
+              </a:rPr>
+              <a:t>可作测试（数据不反复横跳）</a:t>
+            </a:r>
+            <a:endParaRPr lang="zh-CN" altLang="en-US" dirty="0" err="1">
+              <a:latin typeface="PingFang SC Light" panose="020B0400000000000000" charset="-122"/>
+              <a:ea typeface="PingFang SC Light" panose="020B0400000000000000" charset="-122"/>
+              <a:cs typeface="PingFang SC Light" panose="020B0400000000000000" charset="-122"/>
+            </a:endParaRPr>
           </a:p>
           <a:p>
             <a:pPr marL="342900" indent="-342900">
@@ -7597,14 +7631,26 @@
               <a:buAutoNum type="arabicPeriod"/>
             </a:pPr>
             <a:r>
-              <a:rPr lang="en-US" altLang="zh-CN" dirty="0" err="1"/>
+              <a:rPr lang="en-US" altLang="zh-CN" dirty="0" err="1">
+                <a:latin typeface="PingFang SC Light" panose="020B0400000000000000" charset="-122"/>
+                <a:ea typeface="PingFang SC Light" panose="020B0400000000000000" charset="-122"/>
+                <a:cs typeface="PingFang SC Light" panose="020B0400000000000000" charset="-122"/>
+              </a:rPr>
               <a:t>lodash </a:t>
             </a:r>
             <a:r>
-              <a:rPr lang="zh-CN" altLang="en-US" dirty="0" err="1"/>
+              <a:rPr lang="zh-CN" altLang="en-US" dirty="0" err="1">
+                <a:latin typeface="PingFang SC Light" panose="020B0400000000000000" charset="-122"/>
+                <a:ea typeface="PingFang SC Light" panose="020B0400000000000000" charset="-122"/>
+                <a:cs typeface="PingFang SC Light" panose="020B0400000000000000" charset="-122"/>
+              </a:rPr>
               <a:t>工具库函数都是纯函数</a:t>
             </a:r>
-            <a:endParaRPr lang="zh-CN" altLang="en-US" dirty="0" err="1"/>
+            <a:endParaRPr lang="zh-CN" altLang="en-US" dirty="0" err="1">
+              <a:latin typeface="PingFang SC Light" panose="020B0400000000000000" charset="-122"/>
+              <a:ea typeface="PingFang SC Light" panose="020B0400000000000000" charset="-122"/>
+              <a:cs typeface="PingFang SC Light" panose="020B0400000000000000" charset="-122"/>
+            </a:endParaRPr>
           </a:p>
         </p:txBody>
       </p:sp>
@@ -7705,7 +7751,7 @@
         <p:spPr>
           <a:xfrm>
             <a:off x="318135" y="1374140"/>
-            <a:ext cx="5315585" cy="1966595"/>
+            <a:ext cx="5315585" cy="1689100"/>
           </a:xfrm>
           <a:prstGeom prst="rect">
             <a:avLst/>
@@ -7785,8 +7831,8 @@
                 <a:solidFill>
                   <a:srgbClr val="535353"/>
                 </a:solidFill>
-                <a:latin typeface="+mn-ea"/>
-                <a:ea typeface="+mn-ea"/>
+                <a:latin typeface="PingFang SC Light" panose="020B0400000000000000" charset="-122"/>
+                <a:ea typeface="PingFang SC Light" panose="020B0400000000000000" charset="-122"/>
                 <a:cs typeface="+mn-ea"/>
                 <a:sym typeface="+mn-ea"/>
               </a:rPr>
@@ -7796,8 +7842,8 @@
               <a:solidFill>
                 <a:srgbClr val="535353"/>
               </a:solidFill>
-              <a:latin typeface="+mn-ea"/>
-              <a:ea typeface="+mn-ea"/>
+              <a:latin typeface="PingFang SC Light" panose="020B0400000000000000" charset="-122"/>
+              <a:ea typeface="PingFang SC Light" panose="020B0400000000000000" charset="-122"/>
               <a:cs typeface="+mn-ea"/>
             </a:endParaRPr>
           </a:p>
@@ -7822,35 +7868,13 @@
                 <a:solidFill>
                   <a:srgbClr val="535353"/>
                 </a:solidFill>
-                <a:latin typeface="+mn-ea"/>
-                <a:ea typeface="+mn-ea"/>
+                <a:latin typeface="PingFang SC Light" panose="020B0400000000000000" charset="-122"/>
+                <a:ea typeface="PingFang SC Light" panose="020B0400000000000000" charset="-122"/>
                 <a:cs typeface="+mn-ea"/>
                 <a:sym typeface="+mn-ea"/>
               </a:rPr>
               <a:t>借助纯函数固定输入输出，保证其结果可靠性</a:t>
             </a:r>
-            <a:endParaRPr lang="zh-CN" altLang="en-US">
-              <a:latin typeface="+mn-ea"/>
-              <a:ea typeface="+mn-ea"/>
-              <a:cs typeface="+mn-ea"/>
-            </a:endParaRPr>
-          </a:p>
-          <a:p>
-            <a:pPr marL="342900" marR="0" indent="-342900" algn="l" defTabSz="914400" rtl="0" fontAlgn="auto" latinLnBrk="0" hangingPunct="0">
-              <a:lnSpc>
-                <a:spcPct val="100000"/>
-              </a:lnSpc>
-              <a:spcBef>
-                <a:spcPts val="0"/>
-              </a:spcBef>
-              <a:spcAft>
-                <a:spcPts val="0"/>
-              </a:spcAft>
-              <a:buClrTx/>
-              <a:buSzTx/>
-              <a:buFontTx/>
-              <a:buAutoNum type="arabicPeriod"/>
-            </a:pPr>
             <a:endParaRPr kumimoji="0" lang="zh-CN" altLang="en-US" sz="1800" b="0" i="0" u="none" strike="noStrike" cap="none" spc="0" normalizeH="0" baseline="0">
               <a:ln>
                 <a:noFill/>
@@ -7961,17 +7985,17 @@
             </a:pPr>
             <a:r>
               <a:rPr lang="zh-CN" altLang="en-US">
-                <a:latin typeface="PingFang SC Regular" panose="020B0400000000000000" charset="-122"/>
-                <a:ea typeface="PingFang SC Regular" panose="020B0400000000000000" charset="-122"/>
-                <a:cs typeface="PingFang SC Regular" panose="020B0400000000000000" charset="-122"/>
+                <a:latin typeface="PingFang SC Light" panose="020B0400000000000000" charset="-122"/>
+                <a:ea typeface="PingFang SC Light" panose="020B0400000000000000" charset="-122"/>
+                <a:cs typeface="PingFang SC Light" panose="020B0400000000000000" charset="-122"/>
                 <a:sym typeface="+mn-ea"/>
               </a:rPr>
-              <a:t>键值以首参为键，需自行维护多参键值；</a:t>
+              <a:t>键值以首参为键，需自行维护多参键值</a:t>
             </a:r>
             <a:endParaRPr lang="zh-CN" altLang="en-US">
-              <a:latin typeface="PingFang SC Regular" panose="020B0400000000000000" charset="-122"/>
-              <a:ea typeface="PingFang SC Regular" panose="020B0400000000000000" charset="-122"/>
-              <a:cs typeface="PingFang SC Regular" panose="020B0400000000000000" charset="-122"/>
+              <a:latin typeface="PingFang SC Light" panose="020B0400000000000000" charset="-122"/>
+              <a:ea typeface="PingFang SC Light" panose="020B0400000000000000" charset="-122"/>
+              <a:cs typeface="PingFang SC Light" panose="020B0400000000000000" charset="-122"/>
             </a:endParaRPr>
           </a:p>
           <a:p>
@@ -7992,26 +8016,26 @@
             </a:pPr>
             <a:r>
               <a:rPr lang="en-US" altLang="zh-CN">
-                <a:latin typeface="PingFang SC Regular" panose="020B0400000000000000" charset="-122"/>
-                <a:ea typeface="PingFang SC Regular" panose="020B0400000000000000" charset="-122"/>
-                <a:cs typeface="PingFang SC Regular" panose="020B0400000000000000" charset="-122"/>
+                <a:latin typeface="PingFang SC Light" panose="020B0400000000000000" charset="-122"/>
+                <a:ea typeface="PingFang SC Light" panose="020B0400000000000000" charset="-122"/>
+                <a:cs typeface="PingFang SC Light" panose="020B0400000000000000" charset="-122"/>
                 <a:sym typeface="+mn-ea"/>
               </a:rPr>
               <a:t>keep-alive </a:t>
             </a:r>
             <a:r>
               <a:rPr lang="zh-CN" altLang="en-US">
-                <a:latin typeface="PingFang SC Regular" panose="020B0400000000000000" charset="-122"/>
-                <a:ea typeface="PingFang SC Regular" panose="020B0400000000000000" charset="-122"/>
-                <a:cs typeface="PingFang SC Regular" panose="020B0400000000000000" charset="-122"/>
+                <a:latin typeface="PingFang SC Light" panose="020B0400000000000000" charset="-122"/>
+                <a:ea typeface="PingFang SC Light" panose="020B0400000000000000" charset="-122"/>
+                <a:cs typeface="PingFang SC Light" panose="020B0400000000000000" charset="-122"/>
                 <a:sym typeface="+mn-ea"/>
               </a:rPr>
-              <a:t>场景下需自行清空缓存；</a:t>
+              <a:t>场景下需自行清空缓存</a:t>
             </a:r>
             <a:endParaRPr lang="zh-CN" altLang="en-US">
-              <a:latin typeface="PingFang SC Regular" panose="020B0400000000000000" charset="-122"/>
-              <a:ea typeface="PingFang SC Regular" panose="020B0400000000000000" charset="-122"/>
-              <a:cs typeface="PingFang SC Regular" panose="020B0400000000000000" charset="-122"/>
+              <a:latin typeface="PingFang SC Light" panose="020B0400000000000000" charset="-122"/>
+              <a:ea typeface="PingFang SC Light" panose="020B0400000000000000" charset="-122"/>
+              <a:cs typeface="PingFang SC Light" panose="020B0400000000000000" charset="-122"/>
             </a:endParaRPr>
           </a:p>
           <a:p>
@@ -8032,54 +8056,54 @@
             </a:pPr>
             <a:r>
               <a:rPr lang="en-US" altLang="zh-CN">
-                <a:latin typeface="PingFang SC Regular" panose="020B0400000000000000" charset="-122"/>
-                <a:ea typeface="PingFang SC Regular" panose="020B0400000000000000" charset="-122"/>
-                <a:cs typeface="PingFang SC Regular" panose="020B0400000000000000" charset="-122"/>
+                <a:latin typeface="PingFang SC Light" panose="020B0400000000000000" charset="-122"/>
+                <a:ea typeface="PingFang SC Light" panose="020B0400000000000000" charset="-122"/>
+                <a:cs typeface="PingFang SC Light" panose="020B0400000000000000" charset="-122"/>
                 <a:sym typeface="+mn-ea"/>
               </a:rPr>
               <a:t>Vue </a:t>
             </a:r>
             <a:r>
               <a:rPr lang="zh-CN" altLang="en-US">
-                <a:latin typeface="PingFang SC Regular" panose="020B0400000000000000" charset="-122"/>
-                <a:ea typeface="PingFang SC Regular" panose="020B0400000000000000" charset="-122"/>
-                <a:cs typeface="PingFang SC Regular" panose="020B0400000000000000" charset="-122"/>
+                <a:latin typeface="PingFang SC Light" panose="020B0400000000000000" charset="-122"/>
+                <a:ea typeface="PingFang SC Light" panose="020B0400000000000000" charset="-122"/>
+                <a:cs typeface="PingFang SC Light" panose="020B0400000000000000" charset="-122"/>
                 <a:sym typeface="+mn-ea"/>
               </a:rPr>
               <a:t>默认对 </a:t>
             </a:r>
             <a:r>
               <a:rPr lang="en-US" altLang="zh-CN">
-                <a:latin typeface="PingFang SC Regular" panose="020B0400000000000000" charset="-122"/>
-                <a:ea typeface="PingFang SC Regular" panose="020B0400000000000000" charset="-122"/>
-                <a:cs typeface="PingFang SC Regular" panose="020B0400000000000000" charset="-122"/>
+                <a:latin typeface="PingFang SC Light" panose="020B0400000000000000" charset="-122"/>
+                <a:ea typeface="PingFang SC Light" panose="020B0400000000000000" charset="-122"/>
+                <a:cs typeface="PingFang SC Light" panose="020B0400000000000000" charset="-122"/>
                 <a:sym typeface="+mn-ea"/>
               </a:rPr>
               <a:t>methods </a:t>
             </a:r>
             <a:r>
               <a:rPr lang="zh-CN" altLang="en-US">
-                <a:latin typeface="PingFang SC Regular" panose="020B0400000000000000" charset="-122"/>
-                <a:ea typeface="PingFang SC Regular" panose="020B0400000000000000" charset="-122"/>
-                <a:cs typeface="PingFang SC Regular" panose="020B0400000000000000" charset="-122"/>
+                <a:latin typeface="PingFang SC Light" panose="020B0400000000000000" charset="-122"/>
+                <a:ea typeface="PingFang SC Light" panose="020B0400000000000000" charset="-122"/>
+                <a:cs typeface="PingFang SC Light" panose="020B0400000000000000" charset="-122"/>
                 <a:sym typeface="+mn-ea"/>
               </a:rPr>
               <a:t>下的方法作 </a:t>
             </a:r>
             <a:r>
               <a:rPr lang="en-US" altLang="zh-CN">
-                <a:latin typeface="PingFang SC Regular" panose="020B0400000000000000" charset="-122"/>
-                <a:ea typeface="PingFang SC Regular" panose="020B0400000000000000" charset="-122"/>
-                <a:cs typeface="PingFang SC Regular" panose="020B0400000000000000" charset="-122"/>
+                <a:latin typeface="PingFang SC Light" panose="020B0400000000000000" charset="-122"/>
+                <a:ea typeface="PingFang SC Light" panose="020B0400000000000000" charset="-122"/>
+                <a:cs typeface="PingFang SC Light" panose="020B0400000000000000" charset="-122"/>
                 <a:sym typeface="+mn-ea"/>
               </a:rPr>
               <a:t>this </a:t>
             </a:r>
             <a:r>
               <a:rPr lang="zh-CN" altLang="en-US">
-                <a:latin typeface="PingFang SC Regular" panose="020B0400000000000000" charset="-122"/>
-                <a:ea typeface="PingFang SC Regular" panose="020B0400000000000000" charset="-122"/>
-                <a:cs typeface="PingFang SC Regular" panose="020B0400000000000000" charset="-122"/>
+                <a:latin typeface="PingFang SC Light" panose="020B0400000000000000" charset="-122"/>
+                <a:ea typeface="PingFang SC Light" panose="020B0400000000000000" charset="-122"/>
+                <a:cs typeface="PingFang SC Light" panose="020B0400000000000000" charset="-122"/>
                 <a:sym typeface="+mn-ea"/>
               </a:rPr>
               <a:t>绑定，缓存清除时无法获取到缓存对象，需外部定义函数</a:t>
@@ -8093,9 +8117,9 @@
               </a:solidFill>
               <a:effectLst/>
               <a:uFillTx/>
-              <a:latin typeface="PingFang SC Regular" panose="020B0400000000000000" charset="-122"/>
-              <a:ea typeface="PingFang SC Regular" panose="020B0400000000000000" charset="-122"/>
-              <a:cs typeface="PingFang SC Regular" panose="020B0400000000000000" charset="-122"/>
+              <a:latin typeface="PingFang SC Light" panose="020B0400000000000000" charset="-122"/>
+              <a:ea typeface="PingFang SC Light" panose="020B0400000000000000" charset="-122"/>
+              <a:cs typeface="PingFang SC Light" panose="020B0400000000000000" charset="-122"/>
               <a:sym typeface="PingFang SC Regular" panose="020B0400000000000000" charset="-122"/>
             </a:endParaRPr>
           </a:p>
@@ -8740,8 +8764,8 @@
                 </a:solidFill>
                 <a:effectLst/>
                 <a:uFillTx/>
-                <a:latin typeface="+mn-lt"/>
-                <a:ea typeface="+mn-ea"/>
+                <a:latin typeface="PingFang SC Light" panose="020B0400000000000000" charset="-122"/>
+                <a:ea typeface="PingFang SC Light" panose="020B0400000000000000" charset="-122"/>
                 <a:cs typeface="+mn-cs"/>
                 <a:sym typeface="PingFang SC Regular" panose="020B0400000000000000" charset="-122"/>
               </a:rPr>
@@ -8756,8 +8780,8 @@
               </a:solidFill>
               <a:effectLst/>
               <a:uFillTx/>
-              <a:latin typeface="+mn-lt"/>
-              <a:ea typeface="+mn-ea"/>
+              <a:latin typeface="PingFang SC Light" panose="020B0400000000000000" charset="-122"/>
+              <a:ea typeface="PingFang SC Light" panose="020B0400000000000000" charset="-122"/>
               <a:cs typeface="+mn-cs"/>
               <a:sym typeface="PingFang SC Regular" panose="020B0400000000000000" charset="-122"/>
             </a:endParaRPr>
@@ -8788,8 +8812,8 @@
                 </a:solidFill>
                 <a:effectLst/>
                 <a:uFillTx/>
-                <a:latin typeface="+mn-lt"/>
-                <a:ea typeface="+mn-ea"/>
+                <a:latin typeface="PingFang SC Light" panose="020B0400000000000000" charset="-122"/>
+                <a:ea typeface="PingFang SC Light" panose="020B0400000000000000" charset="-122"/>
                 <a:cs typeface="+mn-cs"/>
                 <a:sym typeface="PingFang SC Regular" panose="020B0400000000000000" charset="-122"/>
               </a:rPr>
@@ -8804,8 +8828,8 @@
               </a:solidFill>
               <a:effectLst/>
               <a:uFillTx/>
-              <a:latin typeface="+mn-lt"/>
-              <a:ea typeface="+mn-ea"/>
+              <a:latin typeface="PingFang SC Light" panose="020B0400000000000000" charset="-122"/>
+              <a:ea typeface="PingFang SC Light" panose="020B0400000000000000" charset="-122"/>
               <a:cs typeface="+mn-cs"/>
               <a:sym typeface="PingFang SC Regular" panose="020B0400000000000000" charset="-122"/>
             </a:endParaRPr>
@@ -8835,8 +8859,8 @@
               </a:solidFill>
               <a:effectLst/>
               <a:uFillTx/>
-              <a:latin typeface="+mn-lt"/>
-              <a:ea typeface="+mn-ea"/>
+              <a:latin typeface="PingFang SC Light" panose="020B0400000000000000" charset="-122"/>
+              <a:ea typeface="PingFang SC Light" panose="020B0400000000000000" charset="-122"/>
               <a:cs typeface="+mn-cs"/>
               <a:sym typeface="PingFang SC Regular" panose="020B0400000000000000" charset="-122"/>
             </a:endParaRPr>
@@ -8867,12 +8891,12 @@
                 </a:solidFill>
                 <a:effectLst/>
                 <a:uFillTx/>
-                <a:latin typeface="+mn-lt"/>
-                <a:ea typeface="+mn-ea"/>
+                <a:latin typeface="PingFang SC Light" panose="020B0400000000000000" charset="-122"/>
+                <a:ea typeface="PingFang SC Light" panose="020B0400000000000000" charset="-122"/>
                 <a:cs typeface="+mn-cs"/>
                 <a:sym typeface="PingFang SC Regular" panose="020B0400000000000000" charset="-122"/>
               </a:rPr>
-              <a:t>函数柯里化，就像我们往银行卡里存钱，存够了才能执行买房操作；</a:t>
+              <a:t>函数柯里化，就像我们往银行卡里存钱，存够了才能执行买房操作。</a:t>
             </a:r>
             <a:endParaRPr kumimoji="0" lang="zh-CN" altLang="en-US" sz="1800" b="0" i="0" u="none" strike="noStrike" cap="none" spc="0" normalizeH="0" baseline="0">
               <a:ln>
@@ -8883,8 +8907,8 @@
               </a:solidFill>
               <a:effectLst/>
               <a:uFillTx/>
-              <a:latin typeface="+mn-lt"/>
-              <a:ea typeface="+mn-ea"/>
+              <a:latin typeface="PingFang SC Light" panose="020B0400000000000000" charset="-122"/>
+              <a:ea typeface="PingFang SC Light" panose="020B0400000000000000" charset="-122"/>
               <a:cs typeface="+mn-cs"/>
               <a:sym typeface="PingFang SC Regular" panose="020B0400000000000000" charset="-122"/>
             </a:endParaRPr>
@@ -8915,8 +8939,8 @@
                 </a:solidFill>
                 <a:effectLst/>
                 <a:uFillTx/>
-                <a:latin typeface="+mn-lt"/>
-                <a:ea typeface="+mn-ea"/>
+                <a:latin typeface="PingFang SC Light" panose="020B0400000000000000" charset="-122"/>
+                <a:ea typeface="PingFang SC Light" panose="020B0400000000000000" charset="-122"/>
                 <a:cs typeface="+mn-cs"/>
                 <a:sym typeface="PingFang SC Regular" panose="020B0400000000000000" charset="-122"/>
               </a:rPr>
@@ -8931,8 +8955,8 @@
               </a:solidFill>
               <a:effectLst/>
               <a:uFillTx/>
-              <a:latin typeface="+mn-lt"/>
-              <a:ea typeface="+mn-ea"/>
+              <a:latin typeface="PingFang SC Light" panose="020B0400000000000000" charset="-122"/>
+              <a:ea typeface="PingFang SC Light" panose="020B0400000000000000" charset="-122"/>
               <a:cs typeface="+mn-cs"/>
               <a:sym typeface="PingFang SC Regular" panose="020B0400000000000000" charset="-122"/>
             </a:endParaRPr>
@@ -9001,9 +9025,9 @@
                 </a:solidFill>
                 <a:effectLst/>
                 <a:uFillTx/>
-                <a:latin typeface="+mn-lt"/>
-                <a:ea typeface="+mn-ea"/>
-                <a:cs typeface="+mn-cs"/>
+                <a:latin typeface="PingFang SC Light" panose="020B0400000000000000" charset="-122"/>
+                <a:ea typeface="PingFang SC Light" panose="020B0400000000000000" charset="-122"/>
+                <a:cs typeface="PingFang SC Light" panose="020B0400000000000000" charset="-122"/>
                 <a:sym typeface="PingFang SC Regular" panose="020B0400000000000000" charset="-122"/>
               </a:rPr>
               <a:t>函数调用时，如果形参与实参数量不匹配，且未指定默认值（内部未处理参数缺省），函数无法正常调用。</a:t>
@@ -9017,9 +9041,9 @@
               </a:solidFill>
               <a:effectLst/>
               <a:uFillTx/>
-              <a:latin typeface="+mn-lt"/>
-              <a:ea typeface="+mn-ea"/>
-              <a:cs typeface="+mn-cs"/>
+              <a:latin typeface="PingFang SC Light" panose="020B0400000000000000" charset="-122"/>
+              <a:ea typeface="PingFang SC Light" panose="020B0400000000000000" charset="-122"/>
+              <a:cs typeface="PingFang SC Light" panose="020B0400000000000000" charset="-122"/>
               <a:sym typeface="PingFang SC Regular" panose="020B0400000000000000" charset="-122"/>
             </a:endParaRPr>
           </a:p>
@@ -9049,9 +9073,9 @@
                 </a:solidFill>
                 <a:effectLst/>
                 <a:uFillTx/>
-                <a:latin typeface="+mn-lt"/>
-                <a:ea typeface="+mn-ea"/>
-                <a:cs typeface="+mn-cs"/>
+                <a:latin typeface="PingFang SC Light" panose="020B0400000000000000" charset="-122"/>
+                <a:ea typeface="PingFang SC Light" panose="020B0400000000000000" charset="-122"/>
+                <a:cs typeface="PingFang SC Light" panose="020B0400000000000000" charset="-122"/>
                 <a:sym typeface="PingFang SC Regular" panose="020B0400000000000000" charset="-122"/>
               </a:rPr>
               <a:t>而 “函数柯里化” 是一种支持预先传参，可进行部分计算的一种函数编程方法。</a:t>
@@ -9065,9 +9089,9 @@
               </a:solidFill>
               <a:effectLst/>
               <a:uFillTx/>
-              <a:latin typeface="+mn-lt"/>
-              <a:ea typeface="+mn-ea"/>
-              <a:cs typeface="+mn-cs"/>
+              <a:latin typeface="PingFang SC Light" panose="020B0400000000000000" charset="-122"/>
+              <a:ea typeface="PingFang SC Light" panose="020B0400000000000000" charset="-122"/>
+              <a:cs typeface="PingFang SC Light" panose="020B0400000000000000" charset="-122"/>
               <a:sym typeface="PingFang SC Regular" panose="020B0400000000000000" charset="-122"/>
             </a:endParaRPr>
           </a:p>
@@ -9295,8 +9319,8 @@
                 </a:solidFill>
                 <a:effectLst/>
                 <a:uFillTx/>
-                <a:latin typeface="苹方-简" panose="020B0400000000000000" charset="-122"/>
-                <a:ea typeface="苹方-简" panose="020B0400000000000000" charset="-122"/>
+                <a:latin typeface="PingFang SC Light" panose="020B0400000000000000" charset="-122"/>
+                <a:ea typeface="PingFang SC Light" panose="020B0400000000000000" charset="-122"/>
                 <a:cs typeface="PingFang SC Semibold" panose="020B0400000000000000" charset="-122"/>
                 <a:sym typeface="PingFang SC Regular" panose="020B0400000000000000" charset="-122"/>
               </a:rPr>
@@ -9311,8 +9335,8 @@
               </a:solidFill>
               <a:effectLst/>
               <a:uFillTx/>
-              <a:latin typeface="苹方-简" panose="020B0400000000000000" charset="-122"/>
-              <a:ea typeface="苹方-简" panose="020B0400000000000000" charset="-122"/>
+              <a:latin typeface="PingFang SC Light" panose="020B0400000000000000" charset="-122"/>
+              <a:ea typeface="PingFang SC Light" panose="020B0400000000000000" charset="-122"/>
               <a:cs typeface="PingFang SC Semibold" panose="020B0400000000000000" charset="-122"/>
               <a:sym typeface="PingFang SC Regular" panose="020B0400000000000000" charset="-122"/>
             </a:endParaRPr>
@@ -9343,8 +9367,8 @@
                 </a:solidFill>
                 <a:effectLst/>
                 <a:uFillTx/>
-                <a:latin typeface="苹方-简" panose="020B0400000000000000" charset="-122"/>
-                <a:ea typeface="苹方-简" panose="020B0400000000000000" charset="-122"/>
+                <a:latin typeface="PingFang SC Light" panose="020B0400000000000000" charset="-122"/>
+                <a:ea typeface="PingFang SC Light" panose="020B0400000000000000" charset="-122"/>
                 <a:cs typeface="PingFang SC Semibold" panose="020B0400000000000000" charset="-122"/>
                 <a:sym typeface="PingFang SC Regular" panose="020B0400000000000000" charset="-122"/>
               </a:rPr>
@@ -9359,8 +9383,8 @@
               </a:solidFill>
               <a:effectLst/>
               <a:uFillTx/>
-              <a:latin typeface="苹方-简" panose="020B0400000000000000" charset="-122"/>
-              <a:ea typeface="苹方-简" panose="020B0400000000000000" charset="-122"/>
+              <a:latin typeface="PingFang SC Light" panose="020B0400000000000000" charset="-122"/>
+              <a:ea typeface="PingFang SC Light" panose="020B0400000000000000" charset="-122"/>
               <a:cs typeface="PingFang SC Semibold" panose="020B0400000000000000" charset="-122"/>
               <a:sym typeface="PingFang SC Regular" panose="020B0400000000000000" charset="-122"/>
             </a:endParaRPr>
@@ -9391,8 +9415,8 @@
                 </a:solidFill>
                 <a:effectLst/>
                 <a:uFillTx/>
-                <a:latin typeface="苹方-简" panose="020B0400000000000000" charset="-122"/>
-                <a:ea typeface="苹方-简" panose="020B0400000000000000" charset="-122"/>
+                <a:latin typeface="PingFang SC Light" panose="020B0400000000000000" charset="-122"/>
+                <a:ea typeface="PingFang SC Light" panose="020B0400000000000000" charset="-122"/>
                 <a:cs typeface="PingFang SC Semibold" panose="020B0400000000000000" charset="-122"/>
                 <a:sym typeface="PingFang SC Regular" panose="020B0400000000000000" charset="-122"/>
               </a:rPr>
@@ -9407,8 +9431,8 @@
               </a:solidFill>
               <a:effectLst/>
               <a:uFillTx/>
-              <a:latin typeface="苹方-简" panose="020B0400000000000000" charset="-122"/>
-              <a:ea typeface="苹方-简" panose="020B0400000000000000" charset="-122"/>
+              <a:latin typeface="PingFang SC Light" panose="020B0400000000000000" charset="-122"/>
+              <a:ea typeface="PingFang SC Light" panose="020B0400000000000000" charset="-122"/>
               <a:cs typeface="PingFang SC Semibold" panose="020B0400000000000000" charset="-122"/>
               <a:sym typeface="PingFang SC Regular" panose="020B0400000000000000" charset="-122"/>
             </a:endParaRPr>
@@ -9484,15 +9508,7 @@
             </a:pPr>
             <a:r>
               <a:rPr lang="zh-CN"/>
-              <a:t>为何要</a:t>
-            </a:r>
-            <a:r>
-              <a:rPr lang="zh-CN"/>
-              <a:t>学习</a:t>
-            </a:r>
-            <a:r>
-              <a:rPr lang="zh-CN"/>
-              <a:t>函数式编程</a:t>
+              <a:t>为何要学习函数式编程</a:t>
             </a:r>
             <a:endParaRPr lang="zh-CN"/>
           </a:p>
@@ -9588,11 +9604,7 @@
               </a:defRPr>
             </a:pPr>
             <a:r>
-              <a:rPr/>
-              <a:t>PART</a:t>
-            </a:r>
-            <a:r>
-              <a:t> 01</a:t>
+              <a:t>PART 01</a:t>
             </a:r>
           </a:p>
           <a:p>
@@ -9890,12 +9902,12 @@
                 </a:solidFill>
                 <a:effectLst/>
                 <a:uFillTx/>
-                <a:latin typeface="+mn-lt"/>
-                <a:ea typeface="+mn-ea"/>
+                <a:latin typeface="PingFang SC Light" panose="020B0400000000000000" charset="-122"/>
+                <a:ea typeface="PingFang SC Light" panose="020B0400000000000000" charset="-122"/>
                 <a:cs typeface="+mn-cs"/>
                 <a:sym typeface="PingFang SC Regular" panose="020B0400000000000000" charset="-122"/>
               </a:rPr>
-              <a:t>改变普通函数足额传参的调用方式；</a:t>
+              <a:t>改变普通函数足额传参的调用方式</a:t>
             </a:r>
             <a:endParaRPr kumimoji="0" lang="zh-CN" altLang="en-US" sz="1800" b="0" i="0" u="none" strike="noStrike" cap="none" spc="0" normalizeH="0" baseline="0">
               <a:ln>
@@ -9906,8 +9918,8 @@
               </a:solidFill>
               <a:effectLst/>
               <a:uFillTx/>
-              <a:latin typeface="+mn-lt"/>
-              <a:ea typeface="+mn-ea"/>
+              <a:latin typeface="PingFang SC Light" panose="020B0400000000000000" charset="-122"/>
+              <a:ea typeface="PingFang SC Light" panose="020B0400000000000000" charset="-122"/>
               <a:cs typeface="+mn-cs"/>
               <a:sym typeface="PingFang SC Regular" panose="020B0400000000000000" charset="-122"/>
             </a:endParaRPr>
@@ -9938,12 +9950,12 @@
                 </a:solidFill>
                 <a:effectLst/>
                 <a:uFillTx/>
-                <a:latin typeface="+mn-lt"/>
-                <a:ea typeface="+mn-ea"/>
+                <a:latin typeface="PingFang SC Light" panose="020B0400000000000000" charset="-122"/>
+                <a:ea typeface="PingFang SC Light" panose="020B0400000000000000" charset="-122"/>
                 <a:cs typeface="+mn-cs"/>
                 <a:sym typeface="PingFang SC Regular" panose="020B0400000000000000" charset="-122"/>
               </a:rPr>
-              <a:t>预传参的方式，缓存参数；</a:t>
+              <a:t>预传参的方式，缓存参数</a:t>
             </a:r>
             <a:endParaRPr kumimoji="0" lang="zh-CN" altLang="en-US" sz="1800" b="0" i="0" u="none" strike="noStrike" cap="none" spc="0" normalizeH="0" baseline="0">
               <a:ln>
@@ -9954,8 +9966,8 @@
               </a:solidFill>
               <a:effectLst/>
               <a:uFillTx/>
-              <a:latin typeface="+mn-lt"/>
-              <a:ea typeface="+mn-ea"/>
+              <a:latin typeface="PingFang SC Light" panose="020B0400000000000000" charset="-122"/>
+              <a:ea typeface="PingFang SC Light" panose="020B0400000000000000" charset="-122"/>
               <a:cs typeface="+mn-cs"/>
               <a:sym typeface="PingFang SC Regular" panose="020B0400000000000000" charset="-122"/>
             </a:endParaRPr>
@@ -9986,8 +9998,8 @@
                 </a:solidFill>
                 <a:effectLst/>
                 <a:uFillTx/>
-                <a:latin typeface="+mn-lt"/>
-                <a:ea typeface="+mn-ea"/>
+                <a:latin typeface="PingFang SC Light" panose="020B0400000000000000" charset="-122"/>
+                <a:ea typeface="PingFang SC Light" panose="020B0400000000000000" charset="-122"/>
                 <a:cs typeface="+mn-cs"/>
                 <a:sym typeface="PingFang SC Regular" panose="020B0400000000000000" charset="-122"/>
               </a:rPr>
@@ -10002,8 +10014,8 @@
               </a:solidFill>
               <a:effectLst/>
               <a:uFillTx/>
-              <a:latin typeface="+mn-lt"/>
-              <a:ea typeface="+mn-ea"/>
+              <a:latin typeface="PingFang SC Light" panose="020B0400000000000000" charset="-122"/>
+              <a:ea typeface="PingFang SC Light" panose="020B0400000000000000" charset="-122"/>
               <a:cs typeface="+mn-cs"/>
               <a:sym typeface="PingFang SC Regular" panose="020B0400000000000000" charset="-122"/>
             </a:endParaRPr>
@@ -10136,8 +10148,8 @@
                 </a:solidFill>
                 <a:effectLst/>
                 <a:uFillTx/>
-                <a:latin typeface="+mn-lt"/>
-                <a:ea typeface="+mn-ea"/>
+                <a:latin typeface="PingFang SC Light" panose="020B0400000000000000" charset="-122"/>
+                <a:ea typeface="PingFang SC Light" panose="020B0400000000000000" charset="-122"/>
                 <a:cs typeface="+mn-cs"/>
                 <a:sym typeface="PingFang SC Regular" panose="020B0400000000000000" charset="-122"/>
               </a:rPr>
@@ -10152,8 +10164,8 @@
               </a:solidFill>
               <a:effectLst/>
               <a:uFillTx/>
-              <a:latin typeface="+mn-lt"/>
-              <a:ea typeface="+mn-ea"/>
+              <a:latin typeface="PingFang SC Light" panose="020B0400000000000000" charset="-122"/>
+              <a:ea typeface="PingFang SC Light" panose="020B0400000000000000" charset="-122"/>
               <a:cs typeface="+mn-cs"/>
               <a:sym typeface="PingFang SC Regular" panose="020B0400000000000000" charset="-122"/>
             </a:endParaRPr>
@@ -10184,8 +10196,8 @@
                 </a:solidFill>
                 <a:effectLst/>
                 <a:uFillTx/>
-                <a:latin typeface="+mn-lt"/>
-                <a:ea typeface="+mn-ea"/>
+                <a:latin typeface="PingFang SC Light" panose="020B0400000000000000" charset="-122"/>
+                <a:ea typeface="PingFang SC Light" panose="020B0400000000000000" charset="-122"/>
                 <a:cs typeface="+mn-cs"/>
                 <a:sym typeface="PingFang SC Regular" panose="020B0400000000000000" charset="-122"/>
               </a:rPr>
@@ -10200,8 +10212,8 @@
               </a:solidFill>
               <a:effectLst/>
               <a:uFillTx/>
-              <a:latin typeface="+mn-lt"/>
-              <a:ea typeface="+mn-ea"/>
+              <a:latin typeface="PingFang SC Light" panose="020B0400000000000000" charset="-122"/>
+              <a:ea typeface="PingFang SC Light" panose="020B0400000000000000" charset="-122"/>
               <a:cs typeface="+mn-cs"/>
               <a:sym typeface="PingFang SC Regular" panose="020B0400000000000000" charset="-122"/>
             </a:endParaRPr>
@@ -10232,8 +10244,8 @@
                 </a:solidFill>
                 <a:effectLst/>
                 <a:uFillTx/>
-                <a:latin typeface="+mn-lt"/>
-                <a:ea typeface="+mn-ea"/>
+                <a:latin typeface="PingFang SC Light" panose="020B0400000000000000" charset="-122"/>
+                <a:ea typeface="PingFang SC Light" panose="020B0400000000000000" charset="-122"/>
                 <a:cs typeface="+mn-cs"/>
                 <a:sym typeface="PingFang SC Regular" panose="020B0400000000000000" charset="-122"/>
               </a:rPr>
@@ -10248,8 +10260,8 @@
               </a:solidFill>
               <a:effectLst/>
               <a:uFillTx/>
-              <a:latin typeface="+mn-lt"/>
-              <a:ea typeface="+mn-ea"/>
+              <a:latin typeface="PingFang SC Light" panose="020B0400000000000000" charset="-122"/>
+              <a:ea typeface="PingFang SC Light" panose="020B0400000000000000" charset="-122"/>
               <a:cs typeface="+mn-cs"/>
               <a:sym typeface="PingFang SC Regular" panose="020B0400000000000000" charset="-122"/>
             </a:endParaRPr>
@@ -10275,6 +10287,8 @@
                 <a:solidFill>
                   <a:srgbClr val="535353"/>
                 </a:solidFill>
+                <a:latin typeface="PingFang SC Light" panose="020B0400000000000000" charset="-122"/>
+                <a:ea typeface="PingFang SC Light" panose="020B0400000000000000" charset="-122"/>
                 <a:sym typeface="PingFang SC Regular" panose="020B0400000000000000" charset="-122"/>
               </a:rPr>
               <a:t>可把任意多元函数转化为一元或少元函数（结合函数组合发挥实力）</a:t>
@@ -10288,8 +10302,8 @@
               </a:solidFill>
               <a:effectLst/>
               <a:uFillTx/>
-              <a:latin typeface="+mn-lt"/>
-              <a:ea typeface="+mn-ea"/>
+              <a:latin typeface="PingFang SC Light" panose="020B0400000000000000" charset="-122"/>
+              <a:ea typeface="PingFang SC Light" panose="020B0400000000000000" charset="-122"/>
               <a:cs typeface="+mn-cs"/>
               <a:sym typeface="PingFang SC Regular" panose="020B0400000000000000" charset="-122"/>
             </a:endParaRPr>
@@ -10320,8 +10334,8 @@
                 </a:solidFill>
                 <a:effectLst/>
                 <a:uFillTx/>
-                <a:latin typeface="+mn-lt"/>
-                <a:ea typeface="+mn-ea"/>
+                <a:latin typeface="PingFang SC Light" panose="020B0400000000000000" charset="-122"/>
+                <a:ea typeface="PingFang SC Light" panose="020B0400000000000000" charset="-122"/>
                 <a:cs typeface="+mn-cs"/>
                 <a:sym typeface="PingFang SC Regular" panose="020B0400000000000000" charset="-122"/>
               </a:rPr>
@@ -10336,8 +10350,8 @@
               </a:solidFill>
               <a:effectLst/>
               <a:uFillTx/>
-              <a:latin typeface="+mn-lt"/>
-              <a:ea typeface="+mn-ea"/>
+              <a:latin typeface="PingFang SC Light" panose="020B0400000000000000" charset="-122"/>
+              <a:ea typeface="PingFang SC Light" panose="020B0400000000000000" charset="-122"/>
               <a:cs typeface="+mn-cs"/>
               <a:sym typeface="PingFang SC Regular" panose="020B0400000000000000" charset="-122"/>
             </a:endParaRPr>
@@ -10406,9 +10420,9 @@
                 </a:solidFill>
                 <a:effectLst/>
                 <a:uFillTx/>
-                <a:latin typeface="+mn-lt"/>
-                <a:ea typeface="+mn-ea"/>
-                <a:cs typeface="+mn-cs"/>
+                <a:latin typeface="PingFang SC Light" panose="020B0400000000000000" charset="-122"/>
+                <a:ea typeface="PingFang SC Light" panose="020B0400000000000000" charset="-122"/>
+                <a:cs typeface="PingFang SC Light" panose="020B0400000000000000" charset="-122"/>
                 <a:sym typeface="PingFang SC Regular" panose="020B0400000000000000" charset="-122"/>
               </a:rPr>
               <a:t>缺点：</a:t>
@@ -10422,9 +10436,9 @@
               </a:solidFill>
               <a:effectLst/>
               <a:uFillTx/>
-              <a:latin typeface="+mn-lt"/>
-              <a:ea typeface="+mn-ea"/>
-              <a:cs typeface="+mn-cs"/>
+              <a:latin typeface="PingFang SC Light" panose="020B0400000000000000" charset="-122"/>
+              <a:ea typeface="PingFang SC Light" panose="020B0400000000000000" charset="-122"/>
+              <a:cs typeface="PingFang SC Light" panose="020B0400000000000000" charset="-122"/>
               <a:sym typeface="PingFang SC Regular" panose="020B0400000000000000" charset="-122"/>
             </a:endParaRPr>
           </a:p>
@@ -10454,12 +10468,12 @@
                 </a:solidFill>
                 <a:effectLst/>
                 <a:uFillTx/>
-                <a:latin typeface="+mn-lt"/>
-                <a:ea typeface="+mn-ea"/>
-                <a:cs typeface="+mn-cs"/>
+                <a:latin typeface="PingFang SC Light" panose="020B0400000000000000" charset="-122"/>
+                <a:ea typeface="PingFang SC Light" panose="020B0400000000000000" charset="-122"/>
+                <a:cs typeface="PingFang SC Light" panose="020B0400000000000000" charset="-122"/>
                 <a:sym typeface="PingFang SC Regular" panose="020B0400000000000000" charset="-122"/>
               </a:rPr>
-              <a:t>fn.apply() 和 fn.call() 比直接调用 fn() 稍慢；</a:t>
+              <a:t>fn.apply() 和 fn.call() 比直接调用 fn() 稍慢</a:t>
             </a:r>
             <a:endParaRPr kumimoji="0" lang="zh-CN" altLang="en-US" sz="1800" b="0" i="0" u="none" strike="noStrike" cap="none" spc="0" normalizeH="0" baseline="0">
               <a:ln>
@@ -10470,9 +10484,9 @@
               </a:solidFill>
               <a:effectLst/>
               <a:uFillTx/>
-              <a:latin typeface="+mn-lt"/>
-              <a:ea typeface="+mn-ea"/>
-              <a:cs typeface="+mn-cs"/>
+              <a:latin typeface="PingFang SC Light" panose="020B0400000000000000" charset="-122"/>
+              <a:ea typeface="PingFang SC Light" panose="020B0400000000000000" charset="-122"/>
+              <a:cs typeface="PingFang SC Light" panose="020B0400000000000000" charset="-122"/>
               <a:sym typeface="PingFang SC Regular" panose="020B0400000000000000" charset="-122"/>
             </a:endParaRPr>
           </a:p>
@@ -10502,12 +10516,12 @@
                 </a:solidFill>
                 <a:effectLst/>
                 <a:uFillTx/>
-                <a:latin typeface="+mn-lt"/>
-                <a:ea typeface="+mn-ea"/>
-                <a:cs typeface="+mn-cs"/>
+                <a:latin typeface="PingFang SC Light" panose="020B0400000000000000" charset="-122"/>
+                <a:ea typeface="PingFang SC Light" panose="020B0400000000000000" charset="-122"/>
+                <a:cs typeface="PingFang SC Light" panose="020B0400000000000000" charset="-122"/>
                 <a:sym typeface="PingFang SC Regular" panose="020B0400000000000000" charset="-122"/>
               </a:rPr>
-              <a:t>嵌套作用域带来的开销影响作用域链查找速度；</a:t>
+              <a:t>嵌套作用域带来的开销，影响作用域链查找速度</a:t>
             </a:r>
             <a:endParaRPr kumimoji="0" lang="zh-CN" altLang="en-US" sz="1800" b="0" i="0" u="none" strike="noStrike" cap="none" spc="0" normalizeH="0" baseline="0">
               <a:ln>
@@ -10518,9 +10532,9 @@
               </a:solidFill>
               <a:effectLst/>
               <a:uFillTx/>
-              <a:latin typeface="+mn-lt"/>
-              <a:ea typeface="+mn-ea"/>
-              <a:cs typeface="+mn-cs"/>
+              <a:latin typeface="PingFang SC Light" panose="020B0400000000000000" charset="-122"/>
+              <a:ea typeface="PingFang SC Light" panose="020B0400000000000000" charset="-122"/>
+              <a:cs typeface="PingFang SC Light" panose="020B0400000000000000" charset="-122"/>
               <a:sym typeface="PingFang SC Regular" panose="020B0400000000000000" charset="-122"/>
             </a:endParaRPr>
           </a:p>
@@ -10550,17 +10564,20 @@
                 </a:solidFill>
                 <a:effectLst/>
                 <a:uFillTx/>
-                <a:latin typeface="+mn-lt"/>
-                <a:ea typeface="+mn-ea"/>
-                <a:cs typeface="+mn-cs"/>
+                <a:latin typeface="PingFang SC Light" panose="020B0400000000000000" charset="-122"/>
+                <a:ea typeface="PingFang SC Light" panose="020B0400000000000000" charset="-122"/>
+                <a:cs typeface="PingFang SC Light" panose="020B0400000000000000" charset="-122"/>
                 <a:sym typeface="PingFang SC Regular" panose="020B0400000000000000" charset="-122"/>
               </a:rPr>
-              <a:t>闭包带来的内存占用开销；</a:t>
+              <a:t>闭包带来的内存占用开销</a:t>
             </a:r>
             <a:endParaRPr lang="zh-CN" altLang="en-US">
               <a:solidFill>
                 <a:srgbClr val="535353"/>
               </a:solidFill>
+              <a:latin typeface="PingFang SC Light" panose="020B0400000000000000" charset="-122"/>
+              <a:ea typeface="PingFang SC Light" panose="020B0400000000000000" charset="-122"/>
+              <a:cs typeface="PingFang SC Light" panose="020B0400000000000000" charset="-122"/>
               <a:sym typeface="+mn-ea"/>
             </a:endParaRPr>
           </a:p>
@@ -11577,7 +11594,7 @@
             <a:spAutoFit/>
           </a:bodyPr>
           <a:p>
-            <a:pPr marL="0" marR="0" indent="0" algn="l" defTabSz="914400" rtl="0" fontAlgn="auto" latinLnBrk="0" hangingPunct="0">
+            <a:pPr marL="342900" marR="0" indent="-342900" algn="l" defTabSz="914400" rtl="0" fontAlgn="auto" latinLnBrk="0" hangingPunct="0">
               <a:lnSpc>
                 <a:spcPct val="150000"/>
               </a:lnSpc>
@@ -11590,26 +11607,28 @@
               <a:buClrTx/>
               <a:buSzTx/>
               <a:buFontTx/>
-              <a:buNone/>
+              <a:buAutoNum type="arabicPeriod"/>
             </a:pPr>
             <a:r>
               <a:rPr kumimoji="0" b="0" i="0" u="none" strike="noStrike" cap="none" spc="0" normalizeH="0" baseline="0">
                 <a:solidFill>
                   <a:srgbClr val="535353"/>
                 </a:solidFill>
-                <a:latin typeface="+mn-ea"/>
-                <a:cs typeface="+mn-ea"/>
+                <a:latin typeface="PingFang SC Light" panose="020B0400000000000000" charset="-122"/>
+                <a:ea typeface="PingFang SC Light" panose="020B0400000000000000" charset="-122"/>
+                <a:cs typeface="PingFang SC Light" panose="020B0400000000000000" charset="-122"/>
                 <a:sym typeface="PingFang SC Regular" panose="020B0400000000000000" charset="-122"/>
               </a:rPr>
-              <a:t>1. 将多个函数组合成新的函数，</a:t>
+              <a:t>将多个函数组合成新的函数，</a:t>
             </a:r>
             <a:r>
               <a:rPr kumimoji="0" lang="zh-CN" b="0" i="0" u="none" strike="noStrike" cap="none" spc="0" normalizeH="0" baseline="0">
                 <a:solidFill>
                   <a:srgbClr val="535353"/>
                 </a:solidFill>
-                <a:latin typeface="+mn-ea"/>
-                <a:cs typeface="+mn-ea"/>
+                <a:latin typeface="PingFang SC Light" panose="020B0400000000000000" charset="-122"/>
+                <a:ea typeface="PingFang SC Light" panose="020B0400000000000000" charset="-122"/>
+                <a:cs typeface="PingFang SC Light" panose="020B0400000000000000" charset="-122"/>
                 <a:sym typeface="PingFang SC Regular" panose="020B0400000000000000" charset="-122"/>
               </a:rPr>
               <a:t>忽略中间部分</a:t>
@@ -11619,34 +11638,25 @@
                 <a:solidFill>
                   <a:srgbClr val="535353"/>
                 </a:solidFill>
-                <a:latin typeface="+mn-ea"/>
-                <a:cs typeface="+mn-ea"/>
+                <a:latin typeface="PingFang SC Light" panose="020B0400000000000000" charset="-122"/>
+                <a:ea typeface="PingFang SC Light" panose="020B0400000000000000" charset="-122"/>
+                <a:cs typeface="PingFang SC Light" panose="020B0400000000000000" charset="-122"/>
                 <a:sym typeface="PingFang SC Regular" panose="020B0400000000000000" charset="-122"/>
               </a:rPr>
               <a:t>，只看最后结果</a:t>
-            </a:r>
-            <a:r>
-              <a:rPr kumimoji="0" lang="zh-CN" b="0" i="0" u="none" strike="noStrike" cap="none" spc="0" normalizeH="0" baseline="0">
-                <a:solidFill>
-                  <a:srgbClr val="535353"/>
-                </a:solidFill>
-                <a:latin typeface="+mn-ea"/>
-                <a:cs typeface="+mn-ea"/>
-                <a:sym typeface="PingFang SC Regular" panose="020B0400000000000000" charset="-122"/>
-              </a:rPr>
-              <a:t>；</a:t>
             </a:r>
             <a:endParaRPr kumimoji="0" b="0" i="0" u="none" strike="noStrike" cap="none" spc="0" normalizeH="0" baseline="0">
               <a:solidFill>
                 <a:srgbClr val="535353"/>
               </a:solidFill>
-              <a:latin typeface="+mn-ea"/>
-              <a:cs typeface="+mn-ea"/>
+              <a:latin typeface="PingFang SC Light" panose="020B0400000000000000" charset="-122"/>
+              <a:ea typeface="PingFang SC Light" panose="020B0400000000000000" charset="-122"/>
+              <a:cs typeface="PingFang SC Light" panose="020B0400000000000000" charset="-122"/>
               <a:sym typeface="PingFang SC Regular" panose="020B0400000000000000" charset="-122"/>
             </a:endParaRPr>
           </a:p>
           <a:p>
-            <a:pPr marL="0" marR="0" indent="0" algn="l" defTabSz="914400" rtl="0" fontAlgn="auto" latinLnBrk="0" hangingPunct="0">
+            <a:pPr marL="342900" marR="0" indent="-342900" algn="l" defTabSz="914400" rtl="0" fontAlgn="auto" latinLnBrk="0" hangingPunct="0">
               <a:lnSpc>
                 <a:spcPct val="150000"/>
               </a:lnSpc>
@@ -11659,26 +11669,16 @@
               <a:buClrTx/>
               <a:buSzTx/>
               <a:buFontTx/>
-              <a:buNone/>
+              <a:buAutoNum type="arabicPeriod"/>
             </a:pPr>
             <a:r>
-              <a:rPr kumimoji="0" b="0" i="0" u="none" strike="noStrike" cap="none" spc="0" normalizeH="0" baseline="0">
+              <a:rPr kumimoji="0" lang="zh-CN" b="0" i="0" u="none" strike="noStrike" cap="none" spc="0" normalizeH="0" baseline="0">
                 <a:solidFill>
                   <a:srgbClr val="535353"/>
                 </a:solidFill>
-                <a:latin typeface="+mn-ea"/>
-                <a:cs typeface="+mn-ea"/>
-                <a:sym typeface="PingFang SC Regular" panose="020B0400000000000000" charset="-122"/>
-              </a:rPr>
-              <a:t>2. </a:t>
-            </a:r>
-            <a:r>
-              <a:rPr kumimoji="0" lang="zh-CN" b="0" i="0" u="none" strike="noStrike" cap="none" spc="0" normalizeH="0" baseline="0">
-                <a:solidFill>
-                  <a:srgbClr val="535353"/>
-                </a:solidFill>
-                <a:latin typeface="+mn-ea"/>
-                <a:cs typeface="+mn-ea"/>
+                <a:latin typeface="PingFang SC Light" panose="020B0400000000000000" charset="-122"/>
+                <a:ea typeface="PingFang SC Light" panose="020B0400000000000000" charset="-122"/>
+                <a:cs typeface="PingFang SC Light" panose="020B0400000000000000" charset="-122"/>
                 <a:sym typeface="PingFang SC Regular" panose="020B0400000000000000" charset="-122"/>
               </a:rPr>
               <a:t>要</a:t>
@@ -11688,8 +11688,9 @@
                 <a:solidFill>
                   <a:srgbClr val="535353"/>
                 </a:solidFill>
-                <a:latin typeface="+mn-ea"/>
-                <a:cs typeface="+mn-ea"/>
+                <a:latin typeface="PingFang SC Light" panose="020B0400000000000000" charset="-122"/>
+                <a:ea typeface="PingFang SC Light" panose="020B0400000000000000" charset="-122"/>
+                <a:cs typeface="PingFang SC Light" panose="020B0400000000000000" charset="-122"/>
                 <a:sym typeface="PingFang SC Regular" panose="020B0400000000000000" charset="-122"/>
               </a:rPr>
               <a:t>满足结合律</a:t>
@@ -11699,8 +11700,9 @@
                 <a:solidFill>
                   <a:srgbClr val="535353"/>
                 </a:solidFill>
-                <a:latin typeface="+mn-ea"/>
-                <a:cs typeface="+mn-ea"/>
+                <a:latin typeface="PingFang SC Light" panose="020B0400000000000000" charset="-122"/>
+                <a:ea typeface="PingFang SC Light" panose="020B0400000000000000" charset="-122"/>
+                <a:cs typeface="PingFang SC Light" panose="020B0400000000000000" charset="-122"/>
                 <a:sym typeface="PingFang SC Regular" panose="020B0400000000000000" charset="-122"/>
               </a:rPr>
               <a:t>，结合顺序不同，结果相同</a:t>
@@ -11710,34 +11712,121 @@
                 <a:solidFill>
                   <a:srgbClr val="535353"/>
                 </a:solidFill>
-                <a:latin typeface="+mn-ea"/>
-                <a:cs typeface="+mn-ea"/>
+                <a:latin typeface="PingFang SC Light" panose="020B0400000000000000" charset="-122"/>
+                <a:ea typeface="PingFang SC Light" panose="020B0400000000000000" charset="-122"/>
+                <a:cs typeface="PingFang SC Light" panose="020B0400000000000000" charset="-122"/>
                 <a:sym typeface="PingFang SC Regular" panose="020B0400000000000000" charset="-122"/>
               </a:rPr>
-              <a:t>（既可以把 g 和 h 组合，也可把 f 和 g 组合）</a:t>
-            </a:r>
-            <a:r>
-              <a:rPr kumimoji="0" lang="zh-CN" b="0" i="0" u="none" strike="noStrike" cap="none" spc="0" normalizeH="0" baseline="0">
+              <a:t>（既可以把 </a:t>
+            </a:r>
+            <a:r>
+              <a:rPr kumimoji="0" lang="en-US" b="0" i="0" u="none" strike="noStrike" cap="none" spc="0" normalizeH="0" baseline="0">
                 <a:solidFill>
                   <a:srgbClr val="535353"/>
                 </a:solidFill>
-                <a:latin typeface="+mn-ea"/>
-                <a:cs typeface="+mn-ea"/>
+                <a:latin typeface="PingFang SC Light" panose="020B0400000000000000" charset="-122"/>
+                <a:ea typeface="PingFang SC Light" panose="020B0400000000000000" charset="-122"/>
+                <a:cs typeface="PingFang SC Light" panose="020B0400000000000000" charset="-122"/>
                 <a:sym typeface="PingFang SC Regular" panose="020B0400000000000000" charset="-122"/>
               </a:rPr>
-              <a:t>；</a:t>
+              <a:t>f1 </a:t>
+            </a:r>
+            <a:r>
+              <a:rPr kumimoji="0" b="0" i="0" u="none" strike="noStrike" cap="none" spc="0" normalizeH="0" baseline="0">
+                <a:solidFill>
+                  <a:srgbClr val="535353"/>
+                </a:solidFill>
+                <a:latin typeface="PingFang SC Light" panose="020B0400000000000000" charset="-122"/>
+                <a:ea typeface="PingFang SC Light" panose="020B0400000000000000" charset="-122"/>
+                <a:cs typeface="PingFang SC Light" panose="020B0400000000000000" charset="-122"/>
+                <a:sym typeface="PingFang SC Regular" panose="020B0400000000000000" charset="-122"/>
+              </a:rPr>
+              <a:t>和 </a:t>
+            </a:r>
+            <a:r>
+              <a:rPr kumimoji="0" lang="en-US" b="0" i="0" u="none" strike="noStrike" cap="none" spc="0" normalizeH="0" baseline="0">
+                <a:solidFill>
+                  <a:srgbClr val="535353"/>
+                </a:solidFill>
+                <a:latin typeface="PingFang SC Light" panose="020B0400000000000000" charset="-122"/>
+                <a:ea typeface="PingFang SC Light" panose="020B0400000000000000" charset="-122"/>
+                <a:cs typeface="PingFang SC Light" panose="020B0400000000000000" charset="-122"/>
+                <a:sym typeface="PingFang SC Regular" panose="020B0400000000000000" charset="-122"/>
+              </a:rPr>
+              <a:t>f2</a:t>
+            </a:r>
+            <a:r>
+              <a:rPr kumimoji="0" b="0" i="0" u="none" strike="noStrike" cap="none" spc="0" normalizeH="0" baseline="0">
+                <a:solidFill>
+                  <a:srgbClr val="535353"/>
+                </a:solidFill>
+                <a:latin typeface="PingFang SC Light" panose="020B0400000000000000" charset="-122"/>
+                <a:ea typeface="PingFang SC Light" panose="020B0400000000000000" charset="-122"/>
+                <a:cs typeface="PingFang SC Light" panose="020B0400000000000000" charset="-122"/>
+                <a:sym typeface="PingFang SC Regular" panose="020B0400000000000000" charset="-122"/>
+              </a:rPr>
+              <a:t> 组合，也可把 f</a:t>
+            </a:r>
+            <a:r>
+              <a:rPr kumimoji="0" lang="en-US" b="0" i="0" u="none" strike="noStrike" cap="none" spc="0" normalizeH="0" baseline="0">
+                <a:solidFill>
+                  <a:srgbClr val="535353"/>
+                </a:solidFill>
+                <a:latin typeface="PingFang SC Light" panose="020B0400000000000000" charset="-122"/>
+                <a:ea typeface="PingFang SC Light" panose="020B0400000000000000" charset="-122"/>
+                <a:cs typeface="PingFang SC Light" panose="020B0400000000000000" charset="-122"/>
+                <a:sym typeface="PingFang SC Regular" panose="020B0400000000000000" charset="-122"/>
+              </a:rPr>
+              <a:t>1</a:t>
+            </a:r>
+            <a:r>
+              <a:rPr kumimoji="0" b="0" i="0" u="none" strike="noStrike" cap="none" spc="0" normalizeH="0" baseline="0">
+                <a:solidFill>
+                  <a:srgbClr val="535353"/>
+                </a:solidFill>
+                <a:latin typeface="PingFang SC Light" panose="020B0400000000000000" charset="-122"/>
+                <a:ea typeface="PingFang SC Light" panose="020B0400000000000000" charset="-122"/>
+                <a:cs typeface="PingFang SC Light" panose="020B0400000000000000" charset="-122"/>
+                <a:sym typeface="PingFang SC Regular" panose="020B0400000000000000" charset="-122"/>
+              </a:rPr>
+              <a:t> 和 </a:t>
+            </a:r>
+            <a:r>
+              <a:rPr kumimoji="0" lang="en-US" b="0" i="0" u="none" strike="noStrike" cap="none" spc="0" normalizeH="0" baseline="0">
+                <a:solidFill>
+                  <a:srgbClr val="535353"/>
+                </a:solidFill>
+                <a:latin typeface="PingFang SC Light" panose="020B0400000000000000" charset="-122"/>
+                <a:ea typeface="PingFang SC Light" panose="020B0400000000000000" charset="-122"/>
+                <a:cs typeface="PingFang SC Light" panose="020B0400000000000000" charset="-122"/>
+                <a:sym typeface="PingFang SC Regular" panose="020B0400000000000000" charset="-122"/>
+              </a:rPr>
+              <a:t>f3</a:t>
+            </a:r>
+            <a:r>
+              <a:rPr kumimoji="0" b="0" i="0" u="none" strike="noStrike" cap="none" spc="0" normalizeH="0" baseline="0">
+                <a:solidFill>
+                  <a:srgbClr val="535353"/>
+                </a:solidFill>
+                <a:latin typeface="PingFang SC Light" panose="020B0400000000000000" charset="-122"/>
+                <a:ea typeface="PingFang SC Light" panose="020B0400000000000000" charset="-122"/>
+                <a:cs typeface="PingFang SC Light" panose="020B0400000000000000" charset="-122"/>
+                <a:sym typeface="PingFang SC Regular" panose="020B0400000000000000" charset="-122"/>
+              </a:rPr>
+              <a:t> 组合）</a:t>
             </a:r>
             <a:endParaRPr kumimoji="0" b="0" i="0" u="none" strike="noStrike" cap="none" spc="0" normalizeH="0" baseline="0">
               <a:solidFill>
                 <a:srgbClr val="535353"/>
               </a:solidFill>
-              <a:latin typeface="+mn-ea"/>
-              <a:cs typeface="+mn-ea"/>
+              <a:latin typeface="PingFang SC Light" panose="020B0400000000000000" charset="-122"/>
+              <a:ea typeface="PingFang SC Light" panose="020B0400000000000000" charset="-122"/>
+              <a:cs typeface="PingFang SC Light" panose="020B0400000000000000" charset="-122"/>
               <a:sym typeface="PingFang SC Regular" panose="020B0400000000000000" charset="-122"/>
             </a:endParaRPr>
           </a:p>
           <a:p>
-            <a:pPr marL="0" marR="0" indent="0" algn="l" defTabSz="914400" rtl="0" fontAlgn="auto" latinLnBrk="0" hangingPunct="0">
+            <a:pPr marL="342900" marR="0" indent="-342900" algn="l" defTabSz="914400" rtl="0" fontAlgn="auto" latinLnBrk="0" hangingPunct="0">
               <a:lnSpc>
                 <a:spcPct val="150000"/>
               </a:lnSpc>
@@ -11750,41 +11839,44 @@
               <a:buClrTx/>
               <a:buSzTx/>
               <a:buFontTx/>
-              <a:buNone/>
+              <a:buAutoNum type="arabicPeriod"/>
             </a:pPr>
             <a:r>
               <a:rPr kumimoji="0" b="0" i="0" u="none" strike="noStrike" cap="none" spc="0" normalizeH="0" baseline="0">
                 <a:solidFill>
                   <a:srgbClr val="535353"/>
                 </a:solidFill>
-                <a:latin typeface="+mn-ea"/>
-                <a:cs typeface="+mn-ea"/>
+                <a:latin typeface="PingFang SC Light" panose="020B0400000000000000" charset="-122"/>
+                <a:ea typeface="PingFang SC Light" panose="020B0400000000000000" charset="-122"/>
+                <a:cs typeface="PingFang SC Light" panose="020B0400000000000000" charset="-122"/>
                 <a:sym typeface="PingFang SC Regular" panose="020B0400000000000000" charset="-122"/>
               </a:rPr>
-              <a:t>3. 函数组合中每个函数需为一元函数，且最终组合后返回的函数也是一元函数</a:t>
+              <a:t>函数组合中每个函数需为一元函数，且最终组合后返回的函数也是一元函数</a:t>
             </a:r>
             <a:r>
               <a:rPr kumimoji="0" lang="zh-CN" b="0" i="0" u="none" strike="noStrike" cap="none" spc="0" normalizeH="0" baseline="0">
                 <a:solidFill>
                   <a:srgbClr val="535353"/>
                 </a:solidFill>
-                <a:latin typeface="+mn-ea"/>
-                <a:cs typeface="+mn-ea"/>
+                <a:latin typeface="PingFang SC Light" panose="020B0400000000000000" charset="-122"/>
+                <a:ea typeface="PingFang SC Light" panose="020B0400000000000000" charset="-122"/>
+                <a:cs typeface="PingFang SC Light" panose="020B0400000000000000" charset="-122"/>
                 <a:sym typeface="PingFang SC Regular" panose="020B0400000000000000" charset="-122"/>
               </a:rPr>
-              <a:t>（细粒度，小体量）；</a:t>
+              <a:t>（细粒度，小体量）</a:t>
             </a:r>
             <a:endParaRPr kumimoji="0" b="0" i="0" u="none" strike="noStrike" cap="none" spc="0" normalizeH="0" baseline="0">
               <a:solidFill>
                 <a:srgbClr val="535353"/>
               </a:solidFill>
-              <a:latin typeface="+mn-ea"/>
-              <a:cs typeface="+mn-ea"/>
+              <a:latin typeface="PingFang SC Light" panose="020B0400000000000000" charset="-122"/>
+              <a:ea typeface="PingFang SC Light" panose="020B0400000000000000" charset="-122"/>
+              <a:cs typeface="PingFang SC Light" panose="020B0400000000000000" charset="-122"/>
               <a:sym typeface="PingFang SC Regular" panose="020B0400000000000000" charset="-122"/>
             </a:endParaRPr>
           </a:p>
           <a:p>
-            <a:pPr marL="0" marR="0" indent="0" algn="l" defTabSz="914400" rtl="0" fontAlgn="auto" latinLnBrk="0" hangingPunct="0">
+            <a:pPr marL="342900" marR="0" indent="-342900" algn="l" defTabSz="914400" rtl="0" fontAlgn="auto" latinLnBrk="0" hangingPunct="0">
               <a:lnSpc>
                 <a:spcPct val="150000"/>
               </a:lnSpc>
@@ -11797,26 +11889,16 @@
               <a:buClrTx/>
               <a:buSzTx/>
               <a:buFontTx/>
-              <a:buNone/>
+              <a:buAutoNum type="arabicPeriod"/>
             </a:pPr>
             <a:r>
-              <a:rPr kumimoji="0" b="0" i="0" u="none" strike="noStrike" cap="none" spc="0" normalizeH="0" baseline="0">
+              <a:rPr kumimoji="0" lang="zh-CN" b="0" i="0" u="none" strike="noStrike" cap="none" spc="0" normalizeH="0" baseline="0">
                 <a:solidFill>
                   <a:srgbClr val="535353"/>
                 </a:solidFill>
-                <a:latin typeface="+mn-ea"/>
-                <a:cs typeface="+mn-ea"/>
-                <a:sym typeface="PingFang SC Regular" panose="020B0400000000000000" charset="-122"/>
-              </a:rPr>
-              <a:t>4. </a:t>
-            </a:r>
-            <a:r>
-              <a:rPr kumimoji="0" lang="zh-CN" b="0" i="0" u="none" strike="noStrike" cap="none" spc="0" normalizeH="0" baseline="0">
-                <a:solidFill>
-                  <a:srgbClr val="535353"/>
-                </a:solidFill>
-                <a:latin typeface="+mn-ea"/>
-                <a:cs typeface="+mn-ea"/>
+                <a:latin typeface="PingFang SC Light" panose="020B0400000000000000" charset="-122"/>
+                <a:ea typeface="PingFang SC Light" panose="020B0400000000000000" charset="-122"/>
+                <a:cs typeface="PingFang SC Light" panose="020B0400000000000000" charset="-122"/>
                 <a:sym typeface="PingFang SC Regular" panose="020B0400000000000000" charset="-122"/>
               </a:rPr>
               <a:t>执行顺序有两种：从右到左（默认）与从左到右</a:t>
@@ -11825,8 +11907,9 @@
               <a:solidFill>
                 <a:srgbClr val="535353"/>
               </a:solidFill>
-              <a:latin typeface="+mn-ea"/>
-              <a:cs typeface="+mn-ea"/>
+              <a:latin typeface="PingFang SC Light" panose="020B0400000000000000" charset="-122"/>
+              <a:ea typeface="PingFang SC Light" panose="020B0400000000000000" charset="-122"/>
+              <a:cs typeface="PingFang SC Light" panose="020B0400000000000000" charset="-122"/>
               <a:sym typeface="PingFang SC Regular" panose="020B0400000000000000" charset="-122"/>
             </a:endParaRPr>
           </a:p>
@@ -12062,8 +12145,9 @@
                 <a:solidFill>
                   <a:srgbClr val="535353"/>
                 </a:solidFill>
-                <a:latin typeface="+mn-ea"/>
-                <a:cs typeface="+mn-ea"/>
+                <a:latin typeface="PingFang SC Light" panose="020B0400000000000000" charset="-122"/>
+                <a:ea typeface="PingFang SC Light" panose="020B0400000000000000" charset="-122"/>
+                <a:cs typeface="PingFang SC Light" panose="020B0400000000000000" charset="-122"/>
                 <a:sym typeface="PingFang SC Regular" panose="020B0400000000000000" charset="-122"/>
               </a:rPr>
               <a:t>_.flow</a:t>
@@ -12073,8 +12157,9 @@
                 <a:solidFill>
                   <a:srgbClr val="535353"/>
                 </a:solidFill>
-                <a:latin typeface="+mn-ea"/>
-                <a:cs typeface="+mn-ea"/>
+                <a:latin typeface="PingFang SC Light" panose="020B0400000000000000" charset="-122"/>
+                <a:ea typeface="PingFang SC Light" panose="020B0400000000000000" charset="-122"/>
+                <a:cs typeface="PingFang SC Light" panose="020B0400000000000000" charset="-122"/>
                 <a:sym typeface="PingFang SC Regular" panose="020B0400000000000000" charset="-122"/>
               </a:rPr>
               <a:t>（从左到右执行）</a:t>
@@ -12083,8 +12168,9 @@
               <a:solidFill>
                 <a:srgbClr val="535353"/>
               </a:solidFill>
-              <a:latin typeface="+mn-ea"/>
-              <a:cs typeface="+mn-ea"/>
+              <a:latin typeface="PingFang SC Light" panose="020B0400000000000000" charset="-122"/>
+              <a:ea typeface="PingFang SC Light" panose="020B0400000000000000" charset="-122"/>
+              <a:cs typeface="PingFang SC Light" panose="020B0400000000000000" charset="-122"/>
               <a:sym typeface="PingFang SC Regular" panose="020B0400000000000000" charset="-122"/>
             </a:endParaRPr>
           </a:p>
@@ -12109,8 +12195,9 @@
                 <a:solidFill>
                   <a:srgbClr val="535353"/>
                 </a:solidFill>
-                <a:latin typeface="+mn-ea"/>
-                <a:cs typeface="+mn-ea"/>
+                <a:latin typeface="PingFang SC Light" panose="020B0400000000000000" charset="-122"/>
+                <a:ea typeface="PingFang SC Light" panose="020B0400000000000000" charset="-122"/>
+                <a:cs typeface="PingFang SC Light" panose="020B0400000000000000" charset="-122"/>
                 <a:sym typeface="PingFang SC Regular" panose="020B0400000000000000" charset="-122"/>
               </a:rPr>
               <a:t>_.flowRIght</a:t>
@@ -12120,8 +12207,9 @@
                 <a:solidFill>
                   <a:srgbClr val="535353"/>
                 </a:solidFill>
-                <a:latin typeface="+mn-ea"/>
-                <a:cs typeface="+mn-ea"/>
+                <a:latin typeface="PingFang SC Light" panose="020B0400000000000000" charset="-122"/>
+                <a:ea typeface="PingFang SC Light" panose="020B0400000000000000" charset="-122"/>
+                <a:cs typeface="PingFang SC Light" panose="020B0400000000000000" charset="-122"/>
                 <a:sym typeface="PingFang SC Regular" panose="020B0400000000000000" charset="-122"/>
               </a:rPr>
               <a:t>（从右到左执行）</a:t>
@@ -12131,8 +12219,9 @@
                 <a:solidFill>
                   <a:srgbClr val="535353"/>
                 </a:solidFill>
-                <a:latin typeface="+mn-ea"/>
-                <a:cs typeface="+mn-ea"/>
+                <a:latin typeface="PingFang SC Light" panose="020B0400000000000000" charset="-122"/>
+                <a:ea typeface="PingFang SC Light" panose="020B0400000000000000" charset="-122"/>
+                <a:cs typeface="PingFang SC Light" panose="020B0400000000000000" charset="-122"/>
                 <a:sym typeface="PingFang SC Regular" panose="020B0400000000000000" charset="-122"/>
               </a:rPr>
               <a:t>= </a:t>
@@ -12142,8 +12231,9 @@
                 <a:solidFill>
                   <a:srgbClr val="535353"/>
                 </a:solidFill>
-                <a:latin typeface="+mn-ea"/>
-                <a:cs typeface="+mn-ea"/>
+                <a:latin typeface="PingFang SC Light" panose="020B0400000000000000" charset="-122"/>
+                <a:ea typeface="PingFang SC Light" panose="020B0400000000000000" charset="-122"/>
+                <a:cs typeface="PingFang SC Light" panose="020B0400000000000000" charset="-122"/>
                 <a:sym typeface="PingFang SC Regular" panose="020B0400000000000000" charset="-122"/>
               </a:rPr>
               <a:t>我们的</a:t>
@@ -12153,8 +12243,9 @@
                 <a:solidFill>
                   <a:srgbClr val="535353"/>
                 </a:solidFill>
-                <a:latin typeface="+mn-ea"/>
-                <a:cs typeface="+mn-ea"/>
+                <a:latin typeface="PingFang SC Light" panose="020B0400000000000000" charset="-122"/>
+                <a:ea typeface="PingFang SC Light" panose="020B0400000000000000" charset="-122"/>
+                <a:cs typeface="PingFang SC Light" panose="020B0400000000000000" charset="-122"/>
                 <a:sym typeface="PingFang SC Regular" panose="020B0400000000000000" charset="-122"/>
               </a:rPr>
               <a:t>compose</a:t>
@@ -12163,8 +12254,9 @@
               <a:solidFill>
                 <a:srgbClr val="535353"/>
               </a:solidFill>
-              <a:latin typeface="+mn-ea"/>
-              <a:cs typeface="+mn-ea"/>
+              <a:latin typeface="PingFang SC Light" panose="020B0400000000000000" charset="-122"/>
+              <a:ea typeface="PingFang SC Light" panose="020B0400000000000000" charset="-122"/>
+              <a:cs typeface="PingFang SC Light" panose="020B0400000000000000" charset="-122"/>
               <a:sym typeface="PingFang SC Regular" panose="020B0400000000000000" charset="-122"/>
             </a:endParaRPr>
           </a:p>
@@ -12189,8 +12281,9 @@
                 <a:solidFill>
                   <a:srgbClr val="535353"/>
                 </a:solidFill>
-                <a:latin typeface="+mn-ea"/>
-                <a:cs typeface="+mn-ea"/>
+                <a:latin typeface="PingFang SC Light" panose="020B0400000000000000" charset="-122"/>
+                <a:ea typeface="PingFang SC Light" panose="020B0400000000000000" charset="-122"/>
+                <a:cs typeface="PingFang SC Light" panose="020B0400000000000000" charset="-122"/>
                 <a:sym typeface="PingFang SC Regular" panose="020B0400000000000000" charset="-122"/>
               </a:rPr>
               <a:t>结合已提供的常用工具函数</a:t>
@@ -12199,8 +12292,9 @@
               <a:solidFill>
                 <a:srgbClr val="535353"/>
               </a:solidFill>
-              <a:latin typeface="+mn-ea"/>
-              <a:cs typeface="+mn-ea"/>
+              <a:latin typeface="PingFang SC Light" panose="020B0400000000000000" charset="-122"/>
+              <a:ea typeface="PingFang SC Light" panose="020B0400000000000000" charset="-122"/>
+              <a:cs typeface="PingFang SC Light" panose="020B0400000000000000" charset="-122"/>
               <a:sym typeface="PingFang SC Regular" panose="020B0400000000000000" charset="-122"/>
             </a:endParaRPr>
           </a:p>
@@ -12327,18 +12421,20 @@
                 <a:solidFill>
                   <a:srgbClr val="535353"/>
                 </a:solidFill>
-                <a:latin typeface="+mn-ea"/>
-                <a:cs typeface="+mn-ea"/>
+                <a:latin typeface="PingFang SC Light" panose="020B0400000000000000" charset="-122"/>
+                <a:ea typeface="PingFang SC Light" panose="020B0400000000000000" charset="-122"/>
+                <a:cs typeface="PingFang SC Light" panose="020B0400000000000000" charset="-122"/>
                 <a:sym typeface="PingFang SC Regular" panose="020B0400000000000000" charset="-122"/>
               </a:rPr>
-              <a:t>函数组合的特点是将处理的结果层层传递，逐步传给下一个函数；</a:t>
+              <a:t>函数组合的特点是将处理的结果层层传递，逐步传给下一个函数</a:t>
             </a:r>
             <a:endParaRPr kumimoji="0" lang="zh-CN" altLang="en-US" b="0" i="0" u="none" strike="noStrike" cap="none" spc="0" normalizeH="0" baseline="0">
               <a:solidFill>
                 <a:srgbClr val="535353"/>
               </a:solidFill>
-              <a:latin typeface="+mn-ea"/>
-              <a:cs typeface="+mn-ea"/>
+              <a:latin typeface="PingFang SC Light" panose="020B0400000000000000" charset="-122"/>
+              <a:ea typeface="PingFang SC Light" panose="020B0400000000000000" charset="-122"/>
+              <a:cs typeface="PingFang SC Light" panose="020B0400000000000000" charset="-122"/>
               <a:sym typeface="PingFang SC Regular" panose="020B0400000000000000" charset="-122"/>
             </a:endParaRPr>
           </a:p>
@@ -12363,8 +12459,9 @@
                 <a:solidFill>
                   <a:srgbClr val="535353"/>
                 </a:solidFill>
-                <a:latin typeface="+mn-ea"/>
-                <a:cs typeface="+mn-ea"/>
+                <a:latin typeface="PingFang SC Light" panose="020B0400000000000000" charset="-122"/>
+                <a:ea typeface="PingFang SC Light" panose="020B0400000000000000" charset="-122"/>
+                <a:cs typeface="PingFang SC Light" panose="020B0400000000000000" charset="-122"/>
                 <a:sym typeface="PingFang SC Regular" panose="020B0400000000000000" charset="-122"/>
               </a:rPr>
               <a:t>可实现一个 </a:t>
@@ -12374,8 +12471,9 @@
                 <a:solidFill>
                   <a:srgbClr val="535353"/>
                 </a:solidFill>
-                <a:latin typeface="+mn-ea"/>
-                <a:cs typeface="+mn-ea"/>
+                <a:latin typeface="PingFang SC Light" panose="020B0400000000000000" charset="-122"/>
+                <a:ea typeface="PingFang SC Light" panose="020B0400000000000000" charset="-122"/>
+                <a:cs typeface="PingFang SC Light" panose="020B0400000000000000" charset="-122"/>
                 <a:sym typeface="PingFang SC Regular" panose="020B0400000000000000" charset="-122"/>
               </a:rPr>
               <a:t>log </a:t>
@@ -12385,18 +12483,20 @@
                 <a:solidFill>
                   <a:srgbClr val="535353"/>
                 </a:solidFill>
-                <a:latin typeface="+mn-ea"/>
-                <a:cs typeface="+mn-ea"/>
+                <a:latin typeface="PingFang SC Light" panose="020B0400000000000000" charset="-122"/>
+                <a:ea typeface="PingFang SC Light" panose="020B0400000000000000" charset="-122"/>
+                <a:cs typeface="PingFang SC Light" panose="020B0400000000000000" charset="-122"/>
                 <a:sym typeface="PingFang SC Regular" panose="020B0400000000000000" charset="-122"/>
               </a:rPr>
-              <a:t>函数作为中间函数插入，需将处理值透传下去；</a:t>
+              <a:t>函数作为中间函数插入，添加本身打印调试功能的同时，需要将处理值透传下去</a:t>
             </a:r>
             <a:endParaRPr kumimoji="0" lang="zh-CN" altLang="en-US" b="0" i="0" u="none" strike="noStrike" cap="none" spc="0" normalizeH="0" baseline="0">
               <a:solidFill>
                 <a:srgbClr val="535353"/>
               </a:solidFill>
-              <a:latin typeface="+mn-ea"/>
-              <a:cs typeface="+mn-ea"/>
+              <a:latin typeface="PingFang SC Light" panose="020B0400000000000000" charset="-122"/>
+              <a:ea typeface="PingFang SC Light" panose="020B0400000000000000" charset="-122"/>
+              <a:cs typeface="PingFang SC Light" panose="020B0400000000000000" charset="-122"/>
               <a:sym typeface="PingFang SC Regular" panose="020B0400000000000000" charset="-122"/>
             </a:endParaRPr>
           </a:p>
@@ -12511,126 +12611,9 @@
   <p:timing>
     <p:tnLst>
       <p:par>
-        <p:cTn id="1" dur="indefinite" restart="never" nodeType="tmRoot">
-          <p:childTnLst>
-            <p:seq concurrent="1" nextAc="seek">
-              <p:cTn id="2" dur="indefinite" nodeType="mainSeq">
-                <p:childTnLst>
-                  <p:par>
-                    <p:cTn id="3" fill="hold">
-                      <p:stCondLst>
-                        <p:cond delay="indefinite"/>
-                      </p:stCondLst>
-                      <p:childTnLst>
-                        <p:par>
-                          <p:cTn id="4" fill="hold">
-                            <p:stCondLst>
-                              <p:cond delay="0"/>
-                            </p:stCondLst>
-                            <p:childTnLst>
-                              <p:par>
-                                <p:cTn id="5" presetID="1" presetClass="entr" presetSubtype="0" fill="hold" grpId="0" nodeType="clickEffect">
-                                  <p:stCondLst>
-                                    <p:cond delay="0"/>
-                                  </p:stCondLst>
-                                  <p:childTnLst>
-                                    <p:set>
-                                      <p:cBhvr>
-                                        <p:cTn id="6" dur="1" fill="hold">
-                                          <p:stCondLst>
-                                            <p:cond delay="0"/>
-                                          </p:stCondLst>
-                                        </p:cTn>
-                                        <p:tgtEl>
-                                          <p:spTgt spid="4"/>
-                                        </p:tgtEl>
-                                        <p:attrNameLst>
-                                          <p:attrName>style.visibility</p:attrName>
-                                        </p:attrNameLst>
-                                      </p:cBhvr>
-                                      <p:to>
-                                        <p:strVal val="visible"/>
-                                      </p:to>
-                                    </p:set>
-                                  </p:childTnLst>
-                                </p:cTn>
-                              </p:par>
-                            </p:childTnLst>
-                          </p:cTn>
-                        </p:par>
-                      </p:childTnLst>
-                    </p:cTn>
-                  </p:par>
-                  <p:par>
-                    <p:cTn id="7" fill="hold">
-                      <p:stCondLst>
-                        <p:cond delay="indefinite"/>
-                      </p:stCondLst>
-                      <p:childTnLst>
-                        <p:par>
-                          <p:cTn id="8" fill="hold">
-                            <p:stCondLst>
-                              <p:cond delay="0"/>
-                            </p:stCondLst>
-                            <p:childTnLst>
-                              <p:par>
-                                <p:cTn id="9" presetID="1" presetClass="entr" presetSubtype="0" fill="hold" grpId="0" nodeType="clickEffect">
-                                  <p:stCondLst>
-                                    <p:cond delay="0"/>
-                                  </p:stCondLst>
-                                  <p:childTnLst>
-                                    <p:set>
-                                      <p:cBhvr>
-                                        <p:cTn id="10" dur="1" fill="hold">
-                                          <p:stCondLst>
-                                            <p:cond delay="0"/>
-                                          </p:stCondLst>
-                                        </p:cTn>
-                                        <p:tgtEl>
-                                          <p:spTgt spid="6"/>
-                                        </p:tgtEl>
-                                        <p:attrNameLst>
-                                          <p:attrName>style.visibility</p:attrName>
-                                        </p:attrNameLst>
-                                      </p:cBhvr>
-                                      <p:to>
-                                        <p:strVal val="visible"/>
-                                      </p:to>
-                                    </p:set>
-                                  </p:childTnLst>
-                                </p:cTn>
-                              </p:par>
-                            </p:childTnLst>
-                          </p:cTn>
-                        </p:par>
-                      </p:childTnLst>
-                    </p:cTn>
-                  </p:par>
-                </p:childTnLst>
-              </p:cTn>
-              <p:prevCondLst>
-                <p:cond evt="onPrev" delay="0">
-                  <p:tgtEl>
-                    <p:sldTgt/>
-                  </p:tgtEl>
-                </p:cond>
-              </p:prevCondLst>
-              <p:nextCondLst>
-                <p:cond evt="onNext" delay="0">
-                  <p:tgtEl>
-                    <p:sldTgt/>
-                  </p:tgtEl>
-                </p:cond>
-              </p:nextCondLst>
-            </p:seq>
-          </p:childTnLst>
-        </p:cTn>
+        <p:cTn id="1" dur="indefinite" restart="never" nodeType="tmRoot"/>
       </p:par>
     </p:tnLst>
-    <p:bldLst>
-      <p:bldP spid="4" grpId="0" bldLvl="0" animBg="1"/>
-      <p:bldP spid="6" grpId="0" bldLvl="0" animBg="1"/>
-    </p:bldLst>
   </p:timing>
 </p:sld>
 </file>
@@ -12804,7 +12787,8 @@
                 <a:solidFill>
                   <a:srgbClr val="535353"/>
                 </a:solidFill>
-                <a:latin typeface="+mn-ea"/>
+                <a:latin typeface="PingFang SC Light" panose="020B0400000000000000" charset="-122"/>
+                <a:ea typeface="PingFang SC Light" panose="020B0400000000000000" charset="-122"/>
                 <a:cs typeface="+mn-ea"/>
                 <a:sym typeface="PingFang SC Regular" panose="020B0400000000000000" charset="-122"/>
               </a:rPr>
@@ -12814,7 +12798,8 @@
               <a:solidFill>
                 <a:srgbClr val="535353"/>
               </a:solidFill>
-              <a:latin typeface="+mn-ea"/>
+              <a:latin typeface="PingFang SC Light" panose="020B0400000000000000" charset="-122"/>
+              <a:ea typeface="PingFang SC Light" panose="020B0400000000000000" charset="-122"/>
               <a:cs typeface="+mn-ea"/>
               <a:sym typeface="PingFang SC Regular" panose="020B0400000000000000" charset="-122"/>
             </a:endParaRPr>
@@ -12925,7 +12910,8 @@
                 <a:solidFill>
                   <a:srgbClr val="535353"/>
                 </a:solidFill>
-                <a:latin typeface="+mn-ea"/>
+                <a:latin typeface="PingFang SC Light" panose="020B0400000000000000" charset="-122"/>
+                <a:ea typeface="PingFang SC Light" panose="020B0400000000000000" charset="-122"/>
                 <a:cs typeface="+mn-ea"/>
                 <a:sym typeface="PingFang SC Regular" panose="020B0400000000000000" charset="-122"/>
               </a:rPr>
@@ -12935,7 +12921,8 @@
               <a:solidFill>
                 <a:srgbClr val="535353"/>
               </a:solidFill>
-              <a:latin typeface="+mn-ea"/>
+              <a:latin typeface="PingFang SC Light" panose="020B0400000000000000" charset="-122"/>
+              <a:ea typeface="PingFang SC Light" panose="020B0400000000000000" charset="-122"/>
               <a:cs typeface="+mn-ea"/>
               <a:sym typeface="PingFang SC Regular" panose="020B0400000000000000" charset="-122"/>
             </a:endParaRPr>
@@ -12961,7 +12948,8 @@
                 <a:solidFill>
                   <a:srgbClr val="535353"/>
                 </a:solidFill>
-                <a:latin typeface="+mn-ea"/>
+                <a:latin typeface="PingFang SC Light" panose="020B0400000000000000" charset="-122"/>
+                <a:ea typeface="PingFang SC Light" panose="020B0400000000000000" charset="-122"/>
                 <a:cs typeface="+mn-ea"/>
                 <a:sym typeface="PingFang SC Regular" panose="020B0400000000000000" charset="-122"/>
               </a:rPr>
@@ -12971,7 +12959,8 @@
               <a:solidFill>
                 <a:srgbClr val="535353"/>
               </a:solidFill>
-              <a:latin typeface="+mn-ea"/>
+              <a:latin typeface="PingFang SC Light" panose="020B0400000000000000" charset="-122"/>
+              <a:ea typeface="PingFang SC Light" panose="020B0400000000000000" charset="-122"/>
               <a:cs typeface="+mn-ea"/>
               <a:sym typeface="PingFang SC Regular" panose="020B0400000000000000" charset="-122"/>
             </a:endParaRPr>
@@ -12997,7 +12986,8 @@
                 <a:solidFill>
                   <a:srgbClr val="535353"/>
                 </a:solidFill>
-                <a:latin typeface="+mn-ea"/>
+                <a:latin typeface="PingFang SC Light" panose="020B0400000000000000" charset="-122"/>
+                <a:ea typeface="PingFang SC Light" panose="020B0400000000000000" charset="-122"/>
                 <a:cs typeface="+mn-ea"/>
                 <a:sym typeface="PingFang SC Regular" panose="020B0400000000000000" charset="-122"/>
               </a:rPr>
@@ -13007,7 +12997,8 @@
               <a:solidFill>
                 <a:srgbClr val="535353"/>
               </a:solidFill>
-              <a:latin typeface="+mn-ea"/>
+              <a:latin typeface="PingFang SC Light" panose="020B0400000000000000" charset="-122"/>
+              <a:ea typeface="PingFang SC Light" panose="020B0400000000000000" charset="-122"/>
               <a:cs typeface="+mn-ea"/>
               <a:sym typeface="PingFang SC Regular" panose="020B0400000000000000" charset="-122"/>
             </a:endParaRPr>
@@ -13118,7 +13109,8 @@
                 <a:solidFill>
                   <a:srgbClr val="535353"/>
                 </a:solidFill>
-                <a:latin typeface="+mn-ea"/>
+                <a:latin typeface="PingFang SC Light" panose="020B0400000000000000" charset="-122"/>
+                <a:ea typeface="PingFang SC Light" panose="020B0400000000000000" charset="-122"/>
                 <a:cs typeface="+mn-ea"/>
                 <a:sym typeface="PingFang SC Regular" panose="020B0400000000000000" charset="-122"/>
               </a:rPr>
@@ -13128,7 +13120,8 @@
               <a:solidFill>
                 <a:srgbClr val="535353"/>
               </a:solidFill>
-              <a:latin typeface="+mn-ea"/>
+              <a:latin typeface="PingFang SC Light" panose="020B0400000000000000" charset="-122"/>
+              <a:ea typeface="PingFang SC Light" panose="020B0400000000000000" charset="-122"/>
               <a:cs typeface="+mn-ea"/>
               <a:sym typeface="PingFang SC Regular" panose="020B0400000000000000" charset="-122"/>
             </a:endParaRPr>
@@ -13154,7 +13147,8 @@
                 <a:solidFill>
                   <a:srgbClr val="535353"/>
                 </a:solidFill>
-                <a:latin typeface="+mn-ea"/>
+                <a:latin typeface="PingFang SC Light" panose="020B0400000000000000" charset="-122"/>
+                <a:ea typeface="PingFang SC Light" panose="020B0400000000000000" charset="-122"/>
                 <a:cs typeface="+mn-ea"/>
                 <a:sym typeface="PingFang SC Regular" panose="020B0400000000000000" charset="-122"/>
               </a:rPr>
@@ -13164,7 +13158,8 @@
               <a:solidFill>
                 <a:srgbClr val="535353"/>
               </a:solidFill>
-              <a:latin typeface="+mn-ea"/>
+              <a:latin typeface="PingFang SC Light" panose="020B0400000000000000" charset="-122"/>
+              <a:ea typeface="PingFang SC Light" panose="020B0400000000000000" charset="-122"/>
               <a:cs typeface="+mn-ea"/>
               <a:sym typeface="PingFang SC Regular" panose="020B0400000000000000" charset="-122"/>
             </a:endParaRPr>
@@ -13297,8 +13292,8 @@
                 </a:solidFill>
                 <a:effectLst/>
                 <a:uFillTx/>
-                <a:latin typeface="+mn-lt"/>
-                <a:ea typeface="+mn-ea"/>
+                <a:latin typeface="PingFang SC Light" panose="020B0400000000000000" charset="-122"/>
+                <a:ea typeface="PingFang SC Light" panose="020B0400000000000000" charset="-122"/>
                 <a:cs typeface="+mn-cs"/>
                 <a:sym typeface="PingFang SC Regular" panose="020B0400000000000000" charset="-122"/>
               </a:rPr>
@@ -13313,8 +13308,8 @@
               </a:solidFill>
               <a:effectLst/>
               <a:uFillTx/>
-              <a:latin typeface="+mn-lt"/>
-              <a:ea typeface="+mn-ea"/>
+              <a:latin typeface="PingFang SC Light" panose="020B0400000000000000" charset="-122"/>
+              <a:ea typeface="PingFang SC Light" panose="020B0400000000000000" charset="-122"/>
               <a:cs typeface="+mn-cs"/>
               <a:sym typeface="PingFang SC Regular" panose="020B0400000000000000" charset="-122"/>
             </a:endParaRPr>
@@ -13345,12 +13340,12 @@
                 </a:solidFill>
                 <a:effectLst/>
                 <a:uFillTx/>
-                <a:latin typeface="+mn-lt"/>
-                <a:ea typeface="+mn-ea"/>
+                <a:latin typeface="PingFang SC Light" panose="020B0400000000000000" charset="-122"/>
+                <a:ea typeface="PingFang SC Light" panose="020B0400000000000000" charset="-122"/>
                 <a:cs typeface="+mn-cs"/>
                 <a:sym typeface="PingFang SC Regular" panose="020B0400000000000000" charset="-122"/>
               </a:rPr>
-              <a:t>合并运算过程，组成强大的功能函数（灵活组合）；</a:t>
+              <a:t>合并运算过程，组成强大的功能函数（灵活组合）</a:t>
             </a:r>
             <a:endParaRPr kumimoji="0" lang="zh-CN" altLang="en-US" sz="1800" b="0" i="0" u="none" strike="noStrike" cap="none" spc="0" normalizeH="0" baseline="0">
               <a:ln>
@@ -13361,8 +13356,8 @@
               </a:solidFill>
               <a:effectLst/>
               <a:uFillTx/>
-              <a:latin typeface="+mn-lt"/>
-              <a:ea typeface="+mn-ea"/>
+              <a:latin typeface="PingFang SC Light" panose="020B0400000000000000" charset="-122"/>
+              <a:ea typeface="PingFang SC Light" panose="020B0400000000000000" charset="-122"/>
               <a:cs typeface="+mn-cs"/>
               <a:sym typeface="PingFang SC Regular" panose="020B0400000000000000" charset="-122"/>
             </a:endParaRPr>
@@ -13393,12 +13388,12 @@
                 </a:solidFill>
                 <a:effectLst/>
                 <a:uFillTx/>
-                <a:latin typeface="+mn-lt"/>
-                <a:ea typeface="+mn-ea"/>
+                <a:latin typeface="PingFang SC Light" panose="020B0400000000000000" charset="-122"/>
+                <a:ea typeface="PingFang SC Light" panose="020B0400000000000000" charset="-122"/>
                 <a:cs typeface="+mn-cs"/>
                 <a:sym typeface="PingFang SC Regular" panose="020B0400000000000000" charset="-122"/>
               </a:rPr>
-              <a:t>忽略中间处理过程，只关注最终运算结果（只要结果）；</a:t>
+              <a:t>忽略中间处理过程，只关注最终运算结果（只要结果）</a:t>
             </a:r>
             <a:endParaRPr kumimoji="0" lang="zh-CN" altLang="en-US" sz="1800" b="0" i="0" u="none" strike="noStrike" cap="none" spc="0" normalizeH="0" baseline="0">
               <a:ln>
@@ -13409,8 +13404,8 @@
               </a:solidFill>
               <a:effectLst/>
               <a:uFillTx/>
-              <a:latin typeface="+mn-lt"/>
-              <a:ea typeface="+mn-ea"/>
+              <a:latin typeface="PingFang SC Light" panose="020B0400000000000000" charset="-122"/>
+              <a:ea typeface="PingFang SC Light" panose="020B0400000000000000" charset="-122"/>
               <a:cs typeface="+mn-cs"/>
               <a:sym typeface="PingFang SC Regular" panose="020B0400000000000000" charset="-122"/>
             </a:endParaRPr>
@@ -13441,8 +13436,8 @@
                 </a:solidFill>
                 <a:effectLst/>
                 <a:uFillTx/>
-                <a:latin typeface="+mn-lt"/>
-                <a:ea typeface="+mn-ea"/>
+                <a:latin typeface="PingFang SC Light" panose="020B0400000000000000" charset="-122"/>
+                <a:ea typeface="PingFang SC Light" panose="020B0400000000000000" charset="-122"/>
                 <a:cs typeface="+mn-cs"/>
                 <a:sym typeface="PingFang SC Regular" panose="020B0400000000000000" charset="-122"/>
               </a:rPr>
@@ -13457,8 +13452,8 @@
               </a:solidFill>
               <a:effectLst/>
               <a:uFillTx/>
-              <a:latin typeface="+mn-lt"/>
-              <a:ea typeface="+mn-ea"/>
+              <a:latin typeface="PingFang SC Light" panose="020B0400000000000000" charset="-122"/>
+              <a:ea typeface="PingFang SC Light" panose="020B0400000000000000" charset="-122"/>
               <a:cs typeface="+mn-cs"/>
               <a:sym typeface="PingFang SC Regular" panose="020B0400000000000000" charset="-122"/>
             </a:endParaRPr>
@@ -13527,9 +13522,9 @@
                 </a:solidFill>
                 <a:effectLst/>
                 <a:uFillTx/>
-                <a:latin typeface="+mn-lt"/>
-                <a:ea typeface="+mn-ea"/>
-                <a:cs typeface="+mn-cs"/>
+                <a:latin typeface="PingFang SC Light" panose="020B0400000000000000" charset="-122"/>
+                <a:ea typeface="PingFang SC Light" panose="020B0400000000000000" charset="-122"/>
+                <a:cs typeface="PingFang SC Light" panose="020B0400000000000000" charset="-122"/>
                 <a:sym typeface="PingFang SC Regular" panose="020B0400000000000000" charset="-122"/>
               </a:rPr>
               <a:t>缺点：</a:t>
@@ -13543,9 +13538,9 @@
               </a:solidFill>
               <a:effectLst/>
               <a:uFillTx/>
-              <a:latin typeface="+mn-lt"/>
-              <a:ea typeface="+mn-ea"/>
-              <a:cs typeface="+mn-cs"/>
+              <a:latin typeface="PingFang SC Light" panose="020B0400000000000000" charset="-122"/>
+              <a:ea typeface="PingFang SC Light" panose="020B0400000000000000" charset="-122"/>
+              <a:cs typeface="PingFang SC Light" panose="020B0400000000000000" charset="-122"/>
               <a:sym typeface="PingFang SC Regular" panose="020B0400000000000000" charset="-122"/>
             </a:endParaRPr>
           </a:p>
@@ -13575,9 +13570,9 @@
                 </a:solidFill>
                 <a:effectLst/>
                 <a:uFillTx/>
-                <a:latin typeface="+mn-lt"/>
-                <a:ea typeface="+mn-ea"/>
-                <a:cs typeface="+mn-cs"/>
+                <a:latin typeface="PingFang SC Light" panose="020B0400000000000000" charset="-122"/>
+                <a:ea typeface="PingFang SC Light" panose="020B0400000000000000" charset="-122"/>
+                <a:cs typeface="PingFang SC Light" panose="020B0400000000000000" charset="-122"/>
                 <a:sym typeface="PingFang SC Regular" panose="020B0400000000000000" charset="-122"/>
               </a:rPr>
               <a:t>需要一些辅助的基本函数（</a:t>
@@ -13592,9 +13587,9 @@
                 </a:solidFill>
                 <a:effectLst/>
                 <a:uFillTx/>
-                <a:latin typeface="+mn-lt"/>
-                <a:ea typeface="+mn-ea"/>
-                <a:cs typeface="+mn-cs"/>
+                <a:latin typeface="PingFang SC Light" panose="020B0400000000000000" charset="-122"/>
+                <a:ea typeface="PingFang SC Light" panose="020B0400000000000000" charset="-122"/>
+                <a:cs typeface="PingFang SC Light" panose="020B0400000000000000" charset="-122"/>
                 <a:sym typeface="PingFang SC Regular" panose="020B0400000000000000" charset="-122"/>
               </a:rPr>
               <a:t>lodash</a:t>
@@ -13609,12 +13604,12 @@
                 </a:solidFill>
                 <a:effectLst/>
                 <a:uFillTx/>
-                <a:latin typeface="+mn-lt"/>
-                <a:ea typeface="+mn-ea"/>
-                <a:cs typeface="+mn-cs"/>
+                <a:latin typeface="PingFang SC Light" panose="020B0400000000000000" charset="-122"/>
+                <a:ea typeface="PingFang SC Light" panose="020B0400000000000000" charset="-122"/>
+                <a:cs typeface="PingFang SC Light" panose="020B0400000000000000" charset="-122"/>
                 <a:sym typeface="PingFang SC Regular" panose="020B0400000000000000" charset="-122"/>
               </a:rPr>
-              <a:t>已提供常用工具函数）；</a:t>
+              <a:t>已提供常用工具函数）</a:t>
             </a:r>
             <a:endParaRPr kumimoji="0" lang="zh-CN" altLang="en-US" sz="1800" b="0" i="0" u="none" strike="noStrike" cap="none" spc="0" normalizeH="0" baseline="0">
               <a:ln>
@@ -13625,9 +13620,9 @@
               </a:solidFill>
               <a:effectLst/>
               <a:uFillTx/>
-              <a:latin typeface="+mn-lt"/>
-              <a:ea typeface="+mn-ea"/>
-              <a:cs typeface="+mn-cs"/>
+              <a:latin typeface="PingFang SC Light" panose="020B0400000000000000" charset="-122"/>
+              <a:ea typeface="PingFang SC Light" panose="020B0400000000000000" charset="-122"/>
+              <a:cs typeface="PingFang SC Light" panose="020B0400000000000000" charset="-122"/>
               <a:sym typeface="PingFang SC Regular" panose="020B0400000000000000" charset="-122"/>
             </a:endParaRPr>
           </a:p>
@@ -13652,6 +13647,9 @@
                 <a:solidFill>
                   <a:srgbClr val="535353"/>
                 </a:solidFill>
+                <a:latin typeface="PingFang SC Light" panose="020B0400000000000000" charset="-122"/>
+                <a:ea typeface="PingFang SC Light" panose="020B0400000000000000" charset="-122"/>
+                <a:cs typeface="PingFang SC Light" panose="020B0400000000000000" charset="-122"/>
                 <a:sym typeface="+mn-ea"/>
               </a:rPr>
               <a:t>需定义插入 </a:t>
@@ -13661,6 +13659,9 @@
                 <a:solidFill>
                   <a:srgbClr val="535353"/>
                 </a:solidFill>
+                <a:latin typeface="PingFang SC Light" panose="020B0400000000000000" charset="-122"/>
+                <a:ea typeface="PingFang SC Light" panose="020B0400000000000000" charset="-122"/>
+                <a:cs typeface="PingFang SC Light" panose="020B0400000000000000" charset="-122"/>
                 <a:sym typeface="+mn-ea"/>
               </a:rPr>
               <a:t>log </a:t>
@@ -13670,6 +13671,9 @@
                 <a:solidFill>
                   <a:srgbClr val="535353"/>
                 </a:solidFill>
+                <a:latin typeface="PingFang SC Light" panose="020B0400000000000000" charset="-122"/>
+                <a:ea typeface="PingFang SC Light" panose="020B0400000000000000" charset="-122"/>
+                <a:cs typeface="PingFang SC Light" panose="020B0400000000000000" charset="-122"/>
                 <a:sym typeface="+mn-ea"/>
               </a:rPr>
               <a:t>函数进行中间结果测试</a:t>
@@ -13678,6 +13682,9 @@
               <a:solidFill>
                 <a:srgbClr val="535353"/>
               </a:solidFill>
+              <a:latin typeface="PingFang SC Light" panose="020B0400000000000000" charset="-122"/>
+              <a:ea typeface="PingFang SC Light" panose="020B0400000000000000" charset="-122"/>
+              <a:cs typeface="PingFang SC Light" panose="020B0400000000000000" charset="-122"/>
               <a:sym typeface="+mn-ea"/>
             </a:endParaRPr>
           </a:p>
@@ -14396,7 +14403,7 @@
                 <a:cs typeface="+mn-ea"/>
                 <a:sym typeface="PingFang SC Regular" panose="020B0400000000000000" charset="-122"/>
               </a:rPr>
-              <a:t>）使用函数来实现逻辑复用；</a:t>
+              <a:t>）使用函数实现逻辑复用</a:t>
             </a:r>
             <a:endParaRPr kumimoji="0" lang="zh-CN" altLang="en-US" sz="2400" b="0" i="0" u="none" strike="noStrike" cap="none" spc="0" normalizeH="0" baseline="0">
               <a:ln>
@@ -14459,7 +14466,7 @@
                 <a:cs typeface="+mn-ea"/>
                 <a:sym typeface="PingFang SC Regular" panose="020B0400000000000000" charset="-122"/>
               </a:rPr>
-              <a:t>问题；</a:t>
+              <a:t>问题</a:t>
             </a:r>
             <a:endParaRPr kumimoji="0" lang="zh-CN" altLang="en-US" sz="2400" b="0" i="0" u="none" strike="noStrike" cap="none" spc="0" normalizeH="0" baseline="0">
               <a:ln>
@@ -14500,7 +14507,7 @@
                 <a:cs typeface="+mn-ea"/>
                 <a:sym typeface="PingFang SC Regular" panose="020B0400000000000000" charset="-122"/>
               </a:rPr>
-              <a:t>最大程度地复用函数；</a:t>
+              <a:t>最大程度地复用函数</a:t>
             </a:r>
             <a:endParaRPr kumimoji="0" lang="zh-CN" altLang="en-US" sz="2400" b="0" i="0" u="none" strike="noStrike" cap="none" spc="0" normalizeH="0" baseline="0">
               <a:ln>
@@ -14541,7 +14548,7 @@
                 <a:cs typeface="+mn-ea"/>
                 <a:sym typeface="PingFang SC Regular" panose="020B0400000000000000" charset="-122"/>
               </a:rPr>
-              <a:t>方便测试与性能优化；</a:t>
+              <a:t>方便测试与性能优化</a:t>
             </a:r>
             <a:endParaRPr kumimoji="0" lang="zh-CN" altLang="en-US" sz="2400" b="0" i="0" u="none" strike="noStrike" cap="none" spc="0" normalizeH="0" baseline="0">
               <a:ln>
@@ -14594,17 +14601,6 @@
                 <a:sym typeface="PingFang SC Regular" panose="020B0400000000000000" charset="-122"/>
               </a:rPr>
               <a:t>lodash/underscore/ramda</a:t>
-            </a:r>
-            <a:r>
-              <a:rPr lang="zh-CN" altLang="en-US" sz="2400">
-                <a:solidFill>
-                  <a:srgbClr val="535353"/>
-                </a:solidFill>
-                <a:latin typeface="+mn-ea"/>
-                <a:cs typeface="+mn-ea"/>
-                <a:sym typeface="PingFang SC Regular" panose="020B0400000000000000" charset="-122"/>
-              </a:rPr>
-              <a:t>；</a:t>
             </a:r>
             <a:endParaRPr lang="en-US" altLang="zh-CN" sz="2400">
               <a:solidFill>
@@ -14837,8 +14833,8 @@
                 </a:solidFill>
                 <a:effectLst/>
                 <a:uFillTx/>
-                <a:latin typeface="+mn-lt"/>
-                <a:ea typeface="+mn-ea"/>
+                <a:latin typeface="PingFang SC Light" panose="020B0400000000000000" charset="-122"/>
+                <a:ea typeface="PingFang SC Light" panose="020B0400000000000000" charset="-122"/>
                 <a:cs typeface="+mn-cs"/>
                 <a:sym typeface="PingFang SC Regular" panose="020B0400000000000000" charset="-122"/>
               </a:rPr>
@@ -14853,8 +14849,8 @@
               </a:solidFill>
               <a:effectLst/>
               <a:uFillTx/>
-              <a:latin typeface="+mn-lt"/>
-              <a:ea typeface="+mn-ea"/>
+              <a:latin typeface="PingFang SC Light" panose="020B0400000000000000" charset="-122"/>
+              <a:ea typeface="PingFang SC Light" panose="020B0400000000000000" charset="-122"/>
               <a:cs typeface="+mn-cs"/>
               <a:sym typeface="PingFang SC Regular" panose="020B0400000000000000" charset="-122"/>
             </a:endParaRPr>
@@ -14885,8 +14881,8 @@
                 </a:solidFill>
                 <a:effectLst/>
                 <a:uFillTx/>
-                <a:latin typeface="+mn-lt"/>
-                <a:ea typeface="+mn-ea"/>
+                <a:latin typeface="PingFang SC Light" panose="020B0400000000000000" charset="-122"/>
+                <a:ea typeface="PingFang SC Light" panose="020B0400000000000000" charset="-122"/>
                 <a:cs typeface="+mn-cs"/>
                 <a:sym typeface="PingFang SC Regular" panose="020B0400000000000000" charset="-122"/>
               </a:rPr>
@@ -14901,8 +14897,8 @@
               </a:solidFill>
               <a:effectLst/>
               <a:uFillTx/>
-              <a:latin typeface="+mn-lt"/>
-              <a:ea typeface="+mn-ea"/>
+              <a:latin typeface="PingFang SC Light" panose="020B0400000000000000" charset="-122"/>
+              <a:ea typeface="PingFang SC Light" panose="020B0400000000000000" charset="-122"/>
               <a:cs typeface="+mn-cs"/>
               <a:sym typeface="PingFang SC Regular" panose="020B0400000000000000" charset="-122"/>
             </a:endParaRPr>
@@ -14933,8 +14929,8 @@
                 </a:solidFill>
                 <a:effectLst/>
                 <a:uFillTx/>
-                <a:latin typeface="+mn-lt"/>
-                <a:ea typeface="+mn-ea"/>
+                <a:latin typeface="PingFang SC Light" panose="020B0400000000000000" charset="-122"/>
+                <a:ea typeface="PingFang SC Light" panose="020B0400000000000000" charset="-122"/>
                 <a:cs typeface="+mn-cs"/>
                 <a:sym typeface="PingFang SC Regular" panose="020B0400000000000000" charset="-122"/>
               </a:rPr>
@@ -14949,8 +14945,8 @@
               </a:solidFill>
               <a:effectLst/>
               <a:uFillTx/>
-              <a:latin typeface="+mn-lt"/>
-              <a:ea typeface="+mn-ea"/>
+              <a:latin typeface="PingFang SC Light" panose="020B0400000000000000" charset="-122"/>
+              <a:ea typeface="PingFang SC Light" panose="020B0400000000000000" charset="-122"/>
               <a:cs typeface="+mn-cs"/>
               <a:sym typeface="PingFang SC Regular" panose="020B0400000000000000" charset="-122"/>
             </a:endParaRPr>
@@ -15070,7 +15066,7 @@
         </p:nvSpPr>
         <p:spPr>
           <a:xfrm>
-            <a:off x="7880985" y="2872105"/>
+            <a:off x="1025525" y="3190875"/>
             <a:ext cx="3158490" cy="368935"/>
           </a:xfrm>
           <a:prstGeom prst="rect">
@@ -15164,7 +15160,7 @@
         </p:blipFill>
         <p:spPr>
           <a:xfrm>
-            <a:off x="764540" y="1581150"/>
+            <a:off x="4722495" y="1687195"/>
             <a:ext cx="6351270" cy="3696335"/>
           </a:xfrm>
           <a:prstGeom prst="rect">
@@ -15238,7 +15234,7 @@
         <p:spPr>
           <a:xfrm>
             <a:off x="1109345" y="3837940"/>
-            <a:ext cx="5842000" cy="1846580"/>
+            <a:ext cx="6348730" cy="1846580"/>
           </a:xfrm>
           <a:prstGeom prst="rect">
             <a:avLst/>
@@ -15282,10 +15278,12 @@
               <a:buNone/>
             </a:pPr>
             <a:r>
-              <a:rPr lang="zh-CN" altLang="en-US" sz="2000" dirty="0">
+              <a:rPr lang="zh-CN" altLang="en-US" sz="2000" b="1" dirty="0">
                 <a:solidFill>
                   <a:srgbClr val="535353"/>
                 </a:solidFill>
+                <a:latin typeface="PingFang SC Semibold" panose="020B0400000000000000" charset="-122"/>
+                <a:ea typeface="PingFang SC Semibold" panose="020B0400000000000000" charset="-122"/>
                 <a:sym typeface="PingFang SC Regular" panose="020B0400000000000000" charset="-122"/>
               </a:rPr>
               <a:t>面向对象：对象、接口、类、继承</a:t>
@@ -15326,9 +15324,12 @@
                 <a:solidFill>
                   <a:srgbClr val="535353"/>
                 </a:solidFill>
+                <a:latin typeface="PingFang SC Light" panose="020B0400000000000000" charset="-122"/>
+                <a:ea typeface="PingFang SC Light" panose="020B0400000000000000" charset="-122"/>
+                <a:cs typeface="PingFang SC Light" panose="020B0400000000000000" charset="-122"/>
                 <a:sym typeface="PingFang SC Regular" panose="020B0400000000000000" charset="-122"/>
               </a:rPr>
-              <a:t>视角：从对象的角度去看待问题</a:t>
+              <a:t>视      角：从对象的角度去看待问题</a:t>
             </a:r>
             <a:endParaRPr kumimoji="0" lang="zh-CN" altLang="en-US" sz="2000" b="0" i="0" u="none" strike="noStrike" cap="none" spc="0" normalizeH="0" baseline="0" dirty="0">
               <a:ln>
@@ -15339,9 +15340,9 @@
               </a:solidFill>
               <a:effectLst/>
               <a:uFillTx/>
-              <a:latin typeface="+mn-lt"/>
-              <a:ea typeface="+mn-ea"/>
-              <a:cs typeface="+mn-cs"/>
+              <a:latin typeface="PingFang SC Light" panose="020B0400000000000000" charset="-122"/>
+              <a:ea typeface="PingFang SC Light" panose="020B0400000000000000" charset="-122"/>
+              <a:cs typeface="PingFang SC Light" panose="020B0400000000000000" charset="-122"/>
               <a:sym typeface="PingFang SC Regular" panose="020B0400000000000000" charset="-122"/>
             </a:endParaRPr>
           </a:p>
@@ -15366,9 +15367,12 @@
                 <a:solidFill>
                   <a:srgbClr val="535353"/>
                 </a:solidFill>
+                <a:latin typeface="PingFang SC Light" panose="020B0400000000000000" charset="-122"/>
+                <a:ea typeface="PingFang SC Light" panose="020B0400000000000000" charset="-122"/>
+                <a:cs typeface="PingFang SC Light" panose="020B0400000000000000" charset="-122"/>
                 <a:sym typeface="PingFang SC Regular" panose="020B0400000000000000" charset="-122"/>
               </a:rPr>
-              <a:t>优点：易与维护与扩展，适用于多人开发的大型项目</a:t>
+              <a:t>优      点：易与维护与扩展，适用于多人开发的大型项目</a:t>
             </a:r>
             <a:endParaRPr kumimoji="0" lang="zh-CN" altLang="en-US" sz="2000" b="0" i="0" u="none" strike="noStrike" cap="none" spc="0" normalizeH="0" baseline="0" dirty="0">
               <a:ln>
@@ -15379,9 +15383,9 @@
               </a:solidFill>
               <a:effectLst/>
               <a:uFillTx/>
-              <a:latin typeface="+mn-lt"/>
-              <a:ea typeface="+mn-ea"/>
-              <a:cs typeface="+mn-cs"/>
+              <a:latin typeface="PingFang SC Light" panose="020B0400000000000000" charset="-122"/>
+              <a:ea typeface="PingFang SC Light" panose="020B0400000000000000" charset="-122"/>
+              <a:cs typeface="PingFang SC Light" panose="020B0400000000000000" charset="-122"/>
               <a:sym typeface="PingFang SC Regular" panose="020B0400000000000000" charset="-122"/>
             </a:endParaRPr>
           </a:p>
@@ -15406,9 +15410,12 @@
                 <a:solidFill>
                   <a:srgbClr val="535353"/>
                 </a:solidFill>
+                <a:latin typeface="PingFang SC Light" panose="020B0400000000000000" charset="-122"/>
+                <a:ea typeface="PingFang SC Light" panose="020B0400000000000000" charset="-122"/>
+                <a:cs typeface="PingFang SC Light" panose="020B0400000000000000" charset="-122"/>
                 <a:sym typeface="PingFang SC Regular" panose="020B0400000000000000" charset="-122"/>
               </a:rPr>
-              <a:t>缺点：有一定的性能损耗</a:t>
+              <a:t>缺      点：有一定的性能损耗</a:t>
             </a:r>
             <a:endParaRPr kumimoji="0" lang="zh-CN" altLang="en-US" sz="2000" b="0" i="0" u="none" strike="noStrike" cap="none" spc="0" normalizeH="0" baseline="0">
               <a:ln>
@@ -15419,9 +15426,9 @@
               </a:solidFill>
               <a:effectLst/>
               <a:uFillTx/>
-              <a:latin typeface="+mn-lt"/>
-              <a:ea typeface="+mn-ea"/>
-              <a:cs typeface="+mn-cs"/>
+              <a:latin typeface="PingFang SC Light" panose="020B0400000000000000" charset="-122"/>
+              <a:ea typeface="PingFang SC Light" panose="020B0400000000000000" charset="-122"/>
+              <a:cs typeface="PingFang SC Light" panose="020B0400000000000000" charset="-122"/>
               <a:sym typeface="PingFang SC Regular" panose="020B0400000000000000" charset="-122"/>
             </a:endParaRPr>
           </a:p>
@@ -15480,10 +15487,12 @@
               <a:buNone/>
             </a:pPr>
             <a:r>
-              <a:rPr lang="zh-CN" altLang="en-US" sz="2000" dirty="0">
+              <a:rPr lang="zh-CN" altLang="en-US" sz="2000" b="1" dirty="0">
                 <a:solidFill>
                   <a:srgbClr val="535353"/>
                 </a:solidFill>
+                <a:latin typeface="PingFang SC Semibold" panose="020B0400000000000000" charset="-122"/>
+                <a:ea typeface="PingFang SC Semibold" panose="020B0400000000000000" charset="-122"/>
                 <a:sym typeface="PingFang SC Regular" panose="020B0400000000000000" charset="-122"/>
               </a:rPr>
               <a:t>面向过程：步骤</a:t>
@@ -15524,9 +15533,12 @@
                 <a:solidFill>
                   <a:srgbClr val="535353"/>
                 </a:solidFill>
+                <a:latin typeface="PingFang SC Light" panose="020B0400000000000000" charset="-122"/>
+                <a:ea typeface="PingFang SC Light" panose="020B0400000000000000" charset="-122"/>
+                <a:cs typeface="PingFang SC Light" panose="020B0400000000000000" charset="-122"/>
                 <a:sym typeface="PingFang SC Regular" panose="020B0400000000000000" charset="-122"/>
               </a:rPr>
-              <a:t>视角：从实现的角度去看待问题</a:t>
+              <a:t>视      角：从实现的角度去看待问题</a:t>
             </a:r>
             <a:endParaRPr kumimoji="0" lang="zh-CN" altLang="en-US" sz="2000" b="0" i="0" u="none" strike="noStrike" cap="none" spc="0" normalizeH="0" baseline="0" dirty="0">
               <a:ln>
@@ -15537,9 +15549,9 @@
               </a:solidFill>
               <a:effectLst/>
               <a:uFillTx/>
-              <a:latin typeface="+mn-lt"/>
-              <a:ea typeface="+mn-ea"/>
-              <a:cs typeface="+mn-cs"/>
+              <a:latin typeface="PingFang SC Light" panose="020B0400000000000000" charset="-122"/>
+              <a:ea typeface="PingFang SC Light" panose="020B0400000000000000" charset="-122"/>
+              <a:cs typeface="PingFang SC Light" panose="020B0400000000000000" charset="-122"/>
               <a:sym typeface="PingFang SC Regular" panose="020B0400000000000000" charset="-122"/>
             </a:endParaRPr>
           </a:p>
@@ -15564,9 +15576,12 @@
                 <a:solidFill>
                   <a:srgbClr val="535353"/>
                 </a:solidFill>
+                <a:latin typeface="PingFang SC Light" panose="020B0400000000000000" charset="-122"/>
+                <a:ea typeface="PingFang SC Light" panose="020B0400000000000000" charset="-122"/>
+                <a:cs typeface="PingFang SC Light" panose="020B0400000000000000" charset="-122"/>
                 <a:sym typeface="PingFang SC Regular" panose="020B0400000000000000" charset="-122"/>
               </a:rPr>
-              <a:t>优点：比较简单</a:t>
+              <a:t>优      点：比较简单</a:t>
             </a:r>
             <a:endParaRPr kumimoji="0" lang="zh-CN" altLang="en-US" sz="2000" b="0" i="0" u="none" strike="noStrike" cap="none" spc="0" normalizeH="0" baseline="0" dirty="0">
               <a:ln>
@@ -15577,9 +15592,9 @@
               </a:solidFill>
               <a:effectLst/>
               <a:uFillTx/>
-              <a:latin typeface="+mn-lt"/>
-              <a:ea typeface="+mn-ea"/>
-              <a:cs typeface="+mn-cs"/>
+              <a:latin typeface="PingFang SC Light" panose="020B0400000000000000" charset="-122"/>
+              <a:ea typeface="PingFang SC Light" panose="020B0400000000000000" charset="-122"/>
+              <a:cs typeface="PingFang SC Light" panose="020B0400000000000000" charset="-122"/>
               <a:sym typeface="PingFang SC Regular" panose="020B0400000000000000" charset="-122"/>
             </a:endParaRPr>
           </a:p>
@@ -15604,9 +15619,12 @@
                 <a:solidFill>
                   <a:srgbClr val="535353"/>
                 </a:solidFill>
+                <a:latin typeface="PingFang SC Light" panose="020B0400000000000000" charset="-122"/>
+                <a:ea typeface="PingFang SC Light" panose="020B0400000000000000" charset="-122"/>
+                <a:cs typeface="PingFang SC Light" panose="020B0400000000000000" charset="-122"/>
                 <a:sym typeface="PingFang SC Regular" panose="020B0400000000000000" charset="-122"/>
               </a:rPr>
-              <a:t>缺点：功能混合，较难维护</a:t>
+              <a:t>缺      点：功能混合，较难维护</a:t>
             </a:r>
             <a:endParaRPr kumimoji="0" lang="zh-CN" altLang="en-US" sz="2000" b="0" i="0" u="none" strike="noStrike" cap="none" spc="0" normalizeH="0" baseline="0">
               <a:ln>
@@ -15617,9 +15635,9 @@
               </a:solidFill>
               <a:effectLst/>
               <a:uFillTx/>
-              <a:latin typeface="+mn-lt"/>
-              <a:ea typeface="+mn-ea"/>
-              <a:cs typeface="+mn-cs"/>
+              <a:latin typeface="PingFang SC Light" panose="020B0400000000000000" charset="-122"/>
+              <a:ea typeface="PingFang SC Light" panose="020B0400000000000000" charset="-122"/>
+              <a:cs typeface="PingFang SC Light" panose="020B0400000000000000" charset="-122"/>
               <a:sym typeface="PingFang SC Regular" panose="020B0400000000000000" charset="-122"/>
             </a:endParaRPr>
           </a:p>
@@ -16194,7 +16212,7 @@
                 <a:cs typeface="PingFang SC Light" panose="020B0400000000000000" charset="-122"/>
                 <a:sym typeface="+mn-ea"/>
               </a:rPr>
-              <a:t>函数可以存储在变量中；</a:t>
+              <a:t>函数可以存储在变量中</a:t>
             </a:r>
             <a:endParaRPr lang="zh-CN" altLang="en-US" sz="2000" dirty="0">
               <a:solidFill>
@@ -16231,7 +16249,7 @@
                 <a:cs typeface="PingFang SC Light" panose="020B0400000000000000" charset="-122"/>
                 <a:sym typeface="+mn-ea"/>
               </a:rPr>
-              <a:t>函数可作为参数传递；</a:t>
+              <a:t>函数可作为参数传递</a:t>
             </a:r>
             <a:endParaRPr lang="zh-CN" altLang="en-US" sz="2000" dirty="0">
               <a:solidFill>
@@ -16268,7 +16286,7 @@
                 <a:cs typeface="PingFang SC Light" panose="020B0400000000000000" charset="-122"/>
                 <a:sym typeface="+mn-ea"/>
               </a:rPr>
-              <a:t>函数可作为返回值返回；</a:t>
+              <a:t>函数可作为返回值返回</a:t>
             </a:r>
             <a:endParaRPr lang="zh-CN" altLang="en-US" sz="2000" dirty="0">
               <a:solidFill>
@@ -16561,12 +16579,12 @@
                 </a:solidFill>
                 <a:effectLst/>
                 <a:uFillTx/>
-                <a:latin typeface="PingFang SC Semibold" panose="020B0400000000000000" charset="-122"/>
-                <a:ea typeface="PingFang SC Semibold" panose="020B0400000000000000" charset="-122"/>
+                <a:latin typeface="PingFang SC Light" panose="020B0400000000000000" charset="-122"/>
+                <a:ea typeface="PingFang SC Light" panose="020B0400000000000000" charset="-122"/>
                 <a:cs typeface="+mn-cs"/>
                 <a:sym typeface="PingFang SC Regular" panose="020B0400000000000000" charset="-122"/>
               </a:rPr>
-              <a:t>函数声明优先赋值；</a:t>
+              <a:t>函数声明优先赋值</a:t>
             </a:r>
             <a:endParaRPr kumimoji="0" lang="zh-CN" altLang="en-US" sz="2000" i="0" u="none" strike="noStrike" cap="none" spc="0" normalizeH="0" baseline="0">
               <a:ln>
@@ -16577,8 +16595,8 @@
               </a:solidFill>
               <a:effectLst/>
               <a:uFillTx/>
-              <a:latin typeface="PingFang SC Semibold" panose="020B0400000000000000" charset="-122"/>
-              <a:ea typeface="PingFang SC Semibold" panose="020B0400000000000000" charset="-122"/>
+              <a:latin typeface="PingFang SC Light" panose="020B0400000000000000" charset="-122"/>
+              <a:ea typeface="PingFang SC Light" panose="020B0400000000000000" charset="-122"/>
               <a:cs typeface="+mn-cs"/>
               <a:sym typeface="PingFang SC Regular" panose="020B0400000000000000" charset="-122"/>
             </a:endParaRPr>
@@ -16609,8 +16627,8 @@
                 </a:solidFill>
                 <a:effectLst/>
                 <a:uFillTx/>
-                <a:latin typeface="PingFang SC Semibold" panose="020B0400000000000000" charset="-122"/>
-                <a:ea typeface="PingFang SC Semibold" panose="020B0400000000000000" charset="-122"/>
+                <a:latin typeface="PingFang SC Light" panose="020B0400000000000000" charset="-122"/>
+                <a:ea typeface="PingFang SC Light" panose="020B0400000000000000" charset="-122"/>
                 <a:cs typeface="+mn-cs"/>
                 <a:sym typeface="PingFang SC Regular" panose="020B0400000000000000" charset="-122"/>
               </a:rPr>
@@ -16625,8 +16643,8 @@
               </a:solidFill>
               <a:effectLst/>
               <a:uFillTx/>
-              <a:latin typeface="PingFang SC Semibold" panose="020B0400000000000000" charset="-122"/>
-              <a:ea typeface="PingFang SC Semibold" panose="020B0400000000000000" charset="-122"/>
+              <a:latin typeface="PingFang SC Light" panose="020B0400000000000000" charset="-122"/>
+              <a:ea typeface="PingFang SC Light" panose="020B0400000000000000" charset="-122"/>
               <a:cs typeface="+mn-cs"/>
               <a:sym typeface="PingFang SC Regular" panose="020B0400000000000000" charset="-122"/>
             </a:endParaRPr>

--- a/函数编程范式.pptx
+++ b/函数编程范式.pptx
@@ -16477,8 +16477,8 @@
         </p:nvSpPr>
         <p:spPr>
           <a:xfrm>
-            <a:off x="843280" y="4328160"/>
-            <a:ext cx="4298950" cy="1292225"/>
+            <a:off x="843280" y="4077335"/>
+            <a:ext cx="4298950" cy="1692275"/>
           </a:xfrm>
           <a:prstGeom prst="rect">
             <a:avLst/>
@@ -16522,7 +16522,7 @@
               <a:buNone/>
             </a:pPr>
             <a:r>
-              <a:rPr kumimoji="0" lang="zh-CN" altLang="en-US" sz="2400" b="1" i="0" u="none" strike="noStrike" cap="none" spc="0" normalizeH="0" baseline="0">
+              <a:rPr kumimoji="0" lang="zh-CN" altLang="en-US" sz="2000" b="1" i="0" u="none" strike="noStrike" cap="none" spc="0" normalizeH="0" baseline="0">
                 <a:ln>
                   <a:noFill/>
                 </a:ln>
@@ -16536,7 +16536,7 @@
                 <a:cs typeface="+mn-cs"/>
                 <a:sym typeface="PingFang SC Regular" panose="020B0400000000000000" charset="-122"/>
               </a:rPr>
-              <a:t>何为一等：</a:t>
+              <a:t>其它特性：</a:t>
             </a:r>
             <a:endParaRPr kumimoji="0" lang="zh-CN" altLang="en-US" sz="2400" b="1" i="0" u="none" strike="noStrike" cap="none" spc="0" normalizeH="0" baseline="0">
               <a:ln>
@@ -16632,7 +16632,55 @@
                 <a:cs typeface="+mn-cs"/>
                 <a:sym typeface="PingFang SC Regular" panose="020B0400000000000000" charset="-122"/>
               </a:rPr>
-              <a:t>对象由函数创建</a:t>
+              <a:t>不支持重载</a:t>
+            </a:r>
+            <a:endParaRPr kumimoji="0" lang="zh-CN" altLang="en-US" sz="2000" i="0" u="none" strike="noStrike" cap="none" spc="0" normalizeH="0" baseline="0">
+              <a:ln>
+                <a:noFill/>
+              </a:ln>
+              <a:solidFill>
+                <a:srgbClr val="535353"/>
+              </a:solidFill>
+              <a:effectLst/>
+              <a:uFillTx/>
+              <a:latin typeface="PingFang SC Light" panose="020B0400000000000000" charset="-122"/>
+              <a:ea typeface="PingFang SC Light" panose="020B0400000000000000" charset="-122"/>
+              <a:cs typeface="+mn-cs"/>
+              <a:sym typeface="PingFang SC Regular" panose="020B0400000000000000" charset="-122"/>
+            </a:endParaRPr>
+          </a:p>
+          <a:p>
+            <a:pPr marL="342900" marR="0" indent="-342900" algn="l" defTabSz="914400" rtl="0" fontAlgn="auto" latinLnBrk="0" hangingPunct="0">
+              <a:lnSpc>
+                <a:spcPct val="150000"/>
+              </a:lnSpc>
+              <a:spcBef>
+                <a:spcPts val="0"/>
+              </a:spcBef>
+              <a:spcAft>
+                <a:spcPts val="0"/>
+              </a:spcAft>
+              <a:buClrTx/>
+              <a:buSzTx/>
+              <a:buFont typeface="Wingdings" panose="05000000000000000000" charset="0"/>
+              <a:buChar char=""/>
+            </a:pPr>
+            <a:r>
+              <a:rPr kumimoji="0" lang="zh-CN" altLang="en-US" sz="2000" i="0" u="none" strike="noStrike" cap="none" spc="0" normalizeH="0" baseline="0">
+                <a:ln>
+                  <a:noFill/>
+                </a:ln>
+                <a:solidFill>
+                  <a:srgbClr val="535353"/>
+                </a:solidFill>
+                <a:effectLst/>
+                <a:uFillTx/>
+                <a:latin typeface="PingFang SC Light" panose="020B0400000000000000" charset="-122"/>
+                <a:ea typeface="PingFang SC Light" panose="020B0400000000000000" charset="-122"/>
+                <a:cs typeface="+mn-cs"/>
+                <a:sym typeface="PingFang SC Regular" panose="020B0400000000000000" charset="-122"/>
+              </a:rPr>
+              <a:t>参数按值传递</a:t>
             </a:r>
             <a:endParaRPr kumimoji="0" lang="zh-CN" altLang="en-US" sz="2000" i="0" u="none" strike="noStrike" cap="none" spc="0" normalizeH="0" baseline="0">
               <a:ln>
